--- a/1.pptx
+++ b/1.pptx
@@ -6,26 +6,27 @@
     <p:sldMasterId id="2147483653" r:id="rId2"/>
   </p:sldMasterIdLst>
   <p:notesMasterIdLst>
-    <p:notesMasterId r:id="rId20"/>
+    <p:notesMasterId r:id="rId21"/>
   </p:notesMasterIdLst>
   <p:sldIdLst>
     <p:sldId id="327" r:id="rId3"/>
     <p:sldId id="332" r:id="rId4"/>
     <p:sldId id="333" r:id="rId5"/>
     <p:sldId id="329" r:id="rId6"/>
-    <p:sldId id="334" r:id="rId7"/>
-    <p:sldId id="347" r:id="rId8"/>
-    <p:sldId id="348" r:id="rId9"/>
-    <p:sldId id="350" r:id="rId10"/>
-    <p:sldId id="349" r:id="rId11"/>
-    <p:sldId id="336" r:id="rId12"/>
-    <p:sldId id="345" r:id="rId13"/>
-    <p:sldId id="346" r:id="rId14"/>
-    <p:sldId id="341" r:id="rId15"/>
-    <p:sldId id="342" r:id="rId16"/>
-    <p:sldId id="343" r:id="rId17"/>
-    <p:sldId id="344" r:id="rId18"/>
-    <p:sldId id="328" r:id="rId19"/>
+    <p:sldId id="351" r:id="rId7"/>
+    <p:sldId id="334" r:id="rId8"/>
+    <p:sldId id="347" r:id="rId9"/>
+    <p:sldId id="348" r:id="rId10"/>
+    <p:sldId id="350" r:id="rId11"/>
+    <p:sldId id="349" r:id="rId12"/>
+    <p:sldId id="336" r:id="rId13"/>
+    <p:sldId id="345" r:id="rId14"/>
+    <p:sldId id="346" r:id="rId15"/>
+    <p:sldId id="341" r:id="rId16"/>
+    <p:sldId id="342" r:id="rId17"/>
+    <p:sldId id="343" r:id="rId18"/>
+    <p:sldId id="344" r:id="rId19"/>
+    <p:sldId id="328" r:id="rId20"/>
   </p:sldIdLst>
   <p:sldSz cx="12023725" cy="6804025"/>
   <p:notesSz cx="6858000" cy="9144000"/>
@@ -225,7 +226,7 @@
           <a:p>
             <a:fld id="{09BA59CB-42C9-458B-B9D0-94516938EE20}" type="datetimeFigureOut">
               <a:rPr lang="zh-CN" altLang="en-US" smtClean="0"/>
-              <a:t>2020/12/2</a:t>
+              <a:t>2021/1/20</a:t>
             </a:fld>
             <a:endParaRPr lang="zh-CN" altLang="en-US"/>
           </a:p>
@@ -2291,6 +2292,157 @@
             <p:ph type="title"/>
           </p:nvPr>
         </p:nvSpPr>
+        <p:spPr/>
+        <p:txBody>
+          <a:bodyPr/>
+          <a:lstStyle/>
+          <a:p>
+            <a:r>
+              <a:rPr lang="zh-CN" altLang="en-US" dirty="0">
+                <a:latin typeface="+mj-ea"/>
+                <a:sym typeface="+mn-ea"/>
+              </a:rPr>
+              <a:t>技术开发能力展示</a:t>
+            </a:r>
+            <a:endParaRPr lang="zh-CN" altLang="en-US" dirty="0"/>
+          </a:p>
+        </p:txBody>
+      </p:sp>
+      <p:sp>
+        <p:nvSpPr>
+          <p:cNvPr id="2" name="灯片编号占位符 1"/>
+          <p:cNvSpPr>
+            <a:spLocks noGrp="1"/>
+          </p:cNvSpPr>
+          <p:nvPr>
+            <p:ph type="sldNum" sz="quarter" idx="12"/>
+          </p:nvPr>
+        </p:nvSpPr>
+        <p:spPr/>
+        <p:txBody>
+          <a:bodyPr/>
+          <a:lstStyle/>
+          <a:p>
+            <a:fld id="{05F0C165-3BCD-4C48-9616-1968E70BFB8E}" type="slidenum">
+              <a:rPr lang="zh-CN" altLang="en-US" smtClean="0"/>
+              <a:t>10</a:t>
+            </a:fld>
+            <a:endParaRPr lang="zh-CN" altLang="en-US"/>
+          </a:p>
+        </p:txBody>
+      </p:sp>
+      <p:sp>
+        <p:nvSpPr>
+          <p:cNvPr id="4" name="文本框 3"/>
+          <p:cNvSpPr txBox="1"/>
+          <p:nvPr/>
+        </p:nvSpPr>
+        <p:spPr>
+          <a:xfrm>
+            <a:off x="330762" y="1083622"/>
+            <a:ext cx="2954655" cy="369332"/>
+          </a:xfrm>
+          <a:prstGeom prst="rect">
+            <a:avLst/>
+          </a:prstGeom>
+          <a:noFill/>
+        </p:spPr>
+        <p:txBody>
+          <a:bodyPr wrap="none" rtlCol="0">
+            <a:spAutoFit/>
+          </a:bodyPr>
+          <a:lstStyle/>
+          <a:p>
+            <a:r>
+              <a:rPr lang="zh-CN" altLang="en-US" dirty="0" smtClean="0"/>
+              <a:t>华远项目设备点检项目导入</a:t>
+            </a:r>
+            <a:endParaRPr lang="zh-CN" altLang="en-US" dirty="0"/>
+          </a:p>
+        </p:txBody>
+      </p:sp>
+      <p:pic>
+        <p:nvPicPr>
+          <p:cNvPr id="6" name="图片 5"/>
+          <p:cNvPicPr>
+            <a:picLocks noChangeAspect="1"/>
+          </p:cNvPicPr>
+          <p:nvPr/>
+        </p:nvPicPr>
+        <p:blipFill>
+          <a:blip r:embed="rId2">
+            <a:extLst>
+              <a:ext uri="{28A0092B-C50C-407E-A947-70E740481C1C}">
+                <a14:useLocalDpi xmlns:a14="http://schemas.microsoft.com/office/drawing/2010/main" val="0"/>
+              </a:ext>
+            </a:extLst>
+          </a:blip>
+          <a:stretch>
+            <a:fillRect/>
+          </a:stretch>
+        </p:blipFill>
+        <p:spPr>
+          <a:xfrm>
+            <a:off x="330762" y="1611104"/>
+            <a:ext cx="7439025" cy="4600575"/>
+          </a:xfrm>
+          <a:prstGeom prst="rect">
+            <a:avLst/>
+          </a:prstGeom>
+          <a:ln>
+            <a:solidFill>
+              <a:schemeClr val="tx1"/>
+            </a:solidFill>
+          </a:ln>
+        </p:spPr>
+      </p:pic>
+    </p:spTree>
+    <p:extLst>
+      <p:ext uri="{BB962C8B-B14F-4D97-AF65-F5344CB8AC3E}">
+        <p14:creationId xmlns:p14="http://schemas.microsoft.com/office/powerpoint/2010/main" val="388726973"/>
+      </p:ext>
+    </p:extLst>
+  </p:cSld>
+  <p:clrMapOvr>
+    <a:masterClrMapping/>
+  </p:clrMapOvr>
+  <p:timing>
+    <p:tnLst>
+      <p:par>
+        <p:cTn id="1" dur="indefinite" restart="never" nodeType="tmRoot"/>
+      </p:par>
+    </p:tnLst>
+  </p:timing>
+</p:sld>
+</file>
+
+<file path=ppt/slides/slide11.xml><?xml version="1.0" encoding="utf-8"?>
+<p:sld xmlns:a="http://schemas.openxmlformats.org/drawingml/2006/main" xmlns:r="http://schemas.openxmlformats.org/officeDocument/2006/relationships" xmlns:p="http://schemas.openxmlformats.org/presentationml/2006/main">
+  <p:cSld>
+    <p:spTree>
+      <p:nvGrpSpPr>
+        <p:cNvPr id="1" name=""/>
+        <p:cNvGrpSpPr/>
+        <p:nvPr/>
+      </p:nvGrpSpPr>
+      <p:grpSpPr>
+        <a:xfrm>
+          <a:off x="0" y="0"/>
+          <a:ext cx="0" cy="0"/>
+          <a:chOff x="0" y="0"/>
+          <a:chExt cx="0" cy="0"/>
+        </a:xfrm>
+      </p:grpSpPr>
+      <p:sp>
+        <p:nvSpPr>
+          <p:cNvPr id="3" name="标题 2"/>
+          <p:cNvSpPr>
+            <a:spLocks noGrp="1"/>
+          </p:cNvSpPr>
+          <p:nvPr>
+            <p:ph type="title"/>
+          </p:nvPr>
+        </p:nvSpPr>
         <p:spPr>
           <a:xfrm>
             <a:off x="179214" y="305668"/>
@@ -2336,7 +2488,7 @@
           <a:p>
             <a:fld id="{05F0C165-3BCD-4C48-9616-1968E70BFB8E}" type="slidenum">
               <a:rPr lang="zh-CN" altLang="en-US" smtClean="0"/>
-              <a:t>10</a:t>
+              <a:t>11</a:t>
             </a:fld>
             <a:endParaRPr lang="zh-CN" altLang="en-US"/>
           </a:p>
@@ -2456,7 +2608,7 @@
 </p:sld>
 </file>
 
-<file path=ppt/slides/slide11.xml><?xml version="1.0" encoding="utf-8"?>
+<file path=ppt/slides/slide12.xml><?xml version="1.0" encoding="utf-8"?>
 <p:sld xmlns:a="http://schemas.openxmlformats.org/drawingml/2006/main" xmlns:r="http://schemas.openxmlformats.org/officeDocument/2006/relationships" xmlns:p="http://schemas.openxmlformats.org/presentationml/2006/main">
   <p:cSld>
     <p:spTree>
@@ -2528,7 +2680,7 @@
           <a:p>
             <a:fld id="{05F0C165-3BCD-4C48-9616-1968E70BFB8E}" type="slidenum">
               <a:rPr lang="zh-CN" altLang="en-US" smtClean="0"/>
-              <a:t>11</a:t>
+              <a:t>12</a:t>
             </a:fld>
             <a:endParaRPr lang="zh-CN" altLang="en-US"/>
           </a:p>
@@ -2684,7 +2836,7 @@
 </p:sld>
 </file>
 
-<file path=ppt/slides/slide12.xml><?xml version="1.0" encoding="utf-8"?>
+<file path=ppt/slides/slide13.xml><?xml version="1.0" encoding="utf-8"?>
 <p:sld xmlns:a="http://schemas.openxmlformats.org/drawingml/2006/main" xmlns:r="http://schemas.openxmlformats.org/officeDocument/2006/relationships" xmlns:p="http://schemas.openxmlformats.org/presentationml/2006/main">
   <p:cSld>
     <p:spTree>
@@ -2756,7 +2908,7 @@
           <a:p>
             <a:fld id="{05F0C165-3BCD-4C48-9616-1968E70BFB8E}" type="slidenum">
               <a:rPr lang="zh-CN" altLang="en-US" smtClean="0"/>
-              <a:t>12</a:t>
+              <a:t>13</a:t>
             </a:fld>
             <a:endParaRPr lang="zh-CN" altLang="en-US"/>
           </a:p>
@@ -2847,7 +2999,7 @@
 </p:sld>
 </file>
 
-<file path=ppt/slides/slide13.xml><?xml version="1.0" encoding="utf-8"?>
+<file path=ppt/slides/slide14.xml><?xml version="1.0" encoding="utf-8"?>
 <p:sld xmlns:a="http://schemas.openxmlformats.org/drawingml/2006/main" xmlns:r="http://schemas.openxmlformats.org/officeDocument/2006/relationships" xmlns:p="http://schemas.openxmlformats.org/presentationml/2006/main">
   <p:cSld>
     <p:spTree>
@@ -2918,7 +3070,7 @@
           <a:p>
             <a:fld id="{05F0C165-3BCD-4C48-9616-1968E70BFB8E}" type="slidenum">
               <a:rPr lang="zh-CN" altLang="en-US" smtClean="0"/>
-              <a:t>13</a:t>
+              <a:t>14</a:t>
             </a:fld>
             <a:endParaRPr lang="zh-CN" altLang="en-US"/>
           </a:p>
@@ -3054,7 +3206,7 @@
 </p:sld>
 </file>
 
-<file path=ppt/slides/slide14.xml><?xml version="1.0" encoding="utf-8"?>
+<file path=ppt/slides/slide15.xml><?xml version="1.0" encoding="utf-8"?>
 <p:sld xmlns:a="http://schemas.openxmlformats.org/drawingml/2006/main" xmlns:r="http://schemas.openxmlformats.org/officeDocument/2006/relationships" xmlns:p="http://schemas.openxmlformats.org/presentationml/2006/main">
   <p:cSld>
     <p:spTree>
@@ -3113,7 +3265,7 @@
           <a:p>
             <a:fld id="{05F0C165-3BCD-4C48-9616-1968E70BFB8E}" type="slidenum">
               <a:rPr lang="zh-CN" altLang="en-US" smtClean="0"/>
-              <a:t>14</a:t>
+              <a:t>15</a:t>
             </a:fld>
             <a:endParaRPr lang="zh-CN" altLang="en-US"/>
           </a:p>
@@ -3185,7 +3337,7 @@
 </p:sld>
 </file>
 
-<file path=ppt/slides/slide15.xml><?xml version="1.0" encoding="utf-8"?>
+<file path=ppt/slides/slide16.xml><?xml version="1.0" encoding="utf-8"?>
 <p:sld xmlns:a="http://schemas.openxmlformats.org/drawingml/2006/main" xmlns:r="http://schemas.openxmlformats.org/officeDocument/2006/relationships" xmlns:p="http://schemas.openxmlformats.org/presentationml/2006/main">
   <p:cSld>
     <p:spTree>
@@ -3256,7 +3408,7 @@
           <a:p>
             <a:fld id="{05F0C165-3BCD-4C48-9616-1968E70BFB8E}" type="slidenum">
               <a:rPr lang="zh-CN" altLang="en-US" smtClean="0"/>
-              <a:t>15</a:t>
+              <a:t>16</a:t>
             </a:fld>
             <a:endParaRPr lang="zh-CN" altLang="en-US"/>
           </a:p>
@@ -3452,7 +3604,7 @@
 </p:sld>
 </file>
 
-<file path=ppt/slides/slide16.xml><?xml version="1.0" encoding="utf-8"?>
+<file path=ppt/slides/slide17.xml><?xml version="1.0" encoding="utf-8"?>
 <p:sld xmlns:a="http://schemas.openxmlformats.org/drawingml/2006/main" xmlns:r="http://schemas.openxmlformats.org/officeDocument/2006/relationships" xmlns:p="http://schemas.openxmlformats.org/presentationml/2006/main">
   <p:cSld>
     <p:spTree>
@@ -3523,7 +3675,7 @@
           <a:p>
             <a:fld id="{05F0C165-3BCD-4C48-9616-1968E70BFB8E}" type="slidenum">
               <a:rPr lang="zh-CN" altLang="en-US" smtClean="0"/>
-              <a:t>16</a:t>
+              <a:t>17</a:t>
             </a:fld>
             <a:endParaRPr lang="zh-CN" altLang="en-US"/>
           </a:p>
@@ -3752,7 +3904,7 @@
 </p:sld>
 </file>
 
-<file path=ppt/slides/slide17.xml><?xml version="1.0" encoding="utf-8"?>
+<file path=ppt/slides/slide18.xml><?xml version="1.0" encoding="utf-8"?>
 <p:sld xmlns:a="http://schemas.openxmlformats.org/drawingml/2006/main" xmlns:r="http://schemas.openxmlformats.org/officeDocument/2006/relationships" xmlns:p="http://schemas.openxmlformats.org/presentationml/2006/main">
   <p:cSld>
     <p:spTree>
@@ -5167,7 +5319,7 @@
             </p:custDataLst>
             <p:extLst>
               <p:ext uri="{D42A27DB-BD31-4B8C-83A1-F6EECF244321}">
-                <p14:modId xmlns:p14="http://schemas.microsoft.com/office/powerpoint/2010/main" val="2872354612"/>
+                <p14:modId xmlns:p14="http://schemas.microsoft.com/office/powerpoint/2010/main" val="2194724210"/>
               </p:ext>
             </p:extLst>
           </p:nvPr>
@@ -5544,11 +5696,6 @@
                         </a:rPr>
                         <a:t>掌握</a:t>
                       </a:r>
-                      <a:endParaRPr lang="zh-CN" altLang="en-US" sz="1600" b="0" i="0" dirty="0" smtClean="0">
-                        <a:latin typeface="微软雅黑" panose="020B0503020204020204" pitchFamily="34" charset="-122"/>
-                        <a:ea typeface="微软雅黑" panose="020B0503020204020204" pitchFamily="34" charset="-122"/>
-                        <a:cs typeface="PingFang SC" panose="020B0400000000000000" charset="-122"/>
-                      </a:endParaRPr>
                     </a:p>
                   </a:txBody>
                   <a:tcPr marL="92551" marR="92551" marT="46275" marB="46275" anchor="ctr"/>
@@ -5600,6 +5747,14 @@
                     <a:lstStyle/>
                     <a:p>
                       <a:pPr algn="ctr" fontAlgn="ctr"/>
+                      <a:r>
+                        <a:rPr lang="en-US" altLang="zh-CN" sz="1600" b="0" i="0" u="none" strike="noStrike" dirty="0" err="1" smtClean="0">
+                          <a:effectLst/>
+                          <a:latin typeface="微软雅黑" panose="020B0503020204020204" pitchFamily="34" charset="-122"/>
+                          <a:ea typeface="微软雅黑" panose="020B0503020204020204" pitchFamily="34" charset="-122"/>
+                        </a:rPr>
+                        <a:t>RocketMQ</a:t>
+                      </a:r>
                       <a:endParaRPr lang="en-US" sz="1600" b="0" i="0" u="none" strike="noStrike" dirty="0">
                         <a:effectLst/>
                         <a:latin typeface="微软雅黑" panose="020B0503020204020204" pitchFamily="34" charset="-122"/>
@@ -5615,6 +5770,14 @@
                     <a:lstStyle/>
                     <a:p>
                       <a:pPr algn="ctr"/>
+                      <a:r>
+                        <a:rPr lang="zh-CN" altLang="en-US" sz="1600" b="0" i="0" dirty="0" smtClean="0">
+                          <a:latin typeface="微软雅黑" panose="020B0503020204020204" pitchFamily="34" charset="-122"/>
+                          <a:ea typeface="微软雅黑" panose="020B0503020204020204" pitchFamily="34" charset="-122"/>
+                          <a:cs typeface="PingFang SC" panose="020B0400000000000000" charset="-122"/>
+                        </a:rPr>
+                        <a:t>了解</a:t>
+                      </a:r>
                       <a:endParaRPr lang="zh-CN" altLang="en-US" sz="1600" b="0" i="0" dirty="0">
                         <a:latin typeface="微软雅黑" panose="020B0503020204020204" pitchFamily="34" charset="-122"/>
                         <a:ea typeface="微软雅黑" panose="020B0503020204020204" pitchFamily="34" charset="-122"/>
@@ -5630,6 +5793,14 @@
                     <a:lstStyle/>
                     <a:p>
                       <a:pPr algn="ctr"/>
+                      <a:r>
+                        <a:rPr lang="zh-CN" altLang="en-US" sz="1600" b="0" i="0" dirty="0" smtClean="0">
+                          <a:latin typeface="微软雅黑" panose="020B0503020204020204" pitchFamily="34" charset="-122"/>
+                          <a:ea typeface="微软雅黑" panose="020B0503020204020204" pitchFamily="34" charset="-122"/>
+                          <a:cs typeface="PingFang SC" panose="020B0400000000000000" charset="-122"/>
+                        </a:rPr>
+                        <a:t>入门</a:t>
+                      </a:r>
                       <a:endParaRPr lang="zh-CN" altLang="en-US" sz="1600" b="0" i="0" dirty="0">
                         <a:latin typeface="微软雅黑" panose="020B0503020204020204" pitchFamily="34" charset="-122"/>
                         <a:ea typeface="微软雅黑" panose="020B0503020204020204" pitchFamily="34" charset="-122"/>
@@ -6231,7 +6402,7 @@
             </p:custDataLst>
             <p:extLst>
               <p:ext uri="{D42A27DB-BD31-4B8C-83A1-F6EECF244321}">
-                <p14:modId xmlns:p14="http://schemas.microsoft.com/office/powerpoint/2010/main" val="1333674562"/>
+                <p14:modId xmlns:p14="http://schemas.microsoft.com/office/powerpoint/2010/main" val="4004239507"/>
               </p:ext>
             </p:extLst>
           </p:nvPr>
@@ -6854,7 +7025,7 @@
                           <a:latin typeface="微软雅黑" panose="020B0503020204020204" pitchFamily="34" charset="-122"/>
                           <a:ea typeface="微软雅黑" panose="020B0503020204020204" pitchFamily="34" charset="-122"/>
                         </a:rPr>
-                        <a:t>2</a:t>
+                        <a:t>1.5</a:t>
                       </a:r>
                       <a:endParaRPr kumimoji="0" lang="en-US" altLang="zh-CN" sz="1400" b="0" i="0" u="none" strike="noStrike" cap="none" normalizeH="0" baseline="0" dirty="0">
                         <a:ln>
@@ -6954,7 +7125,7 @@
                           <a:latin typeface="微软雅黑" panose="020B0503020204020204" pitchFamily="34" charset="-122"/>
                           <a:ea typeface="微软雅黑" panose="020B0503020204020204" pitchFamily="34" charset="-122"/>
                         </a:rPr>
-                        <a:t>可以完成整个项目的开发</a:t>
+                        <a:t>可以完成小项目的开发</a:t>
                       </a:r>
                       <a:endParaRPr kumimoji="0" lang="en-US" altLang="zh-CN" sz="1400" b="0" i="0" u="none" strike="noStrike" cap="none" normalizeH="0" baseline="0" dirty="0">
                         <a:ln>
@@ -7209,7 +7380,7 @@
                           <a:latin typeface="微软雅黑" panose="020B0503020204020204" pitchFamily="34" charset="-122"/>
                           <a:ea typeface="微软雅黑" panose="020B0503020204020204" pitchFamily="34" charset="-122"/>
                         </a:rPr>
-                        <a:t>1</a:t>
+                        <a:t>1.5</a:t>
                       </a:r>
                       <a:endParaRPr kumimoji="0" lang="zh-CN" altLang="en-US" sz="1400" b="0" i="0" u="none" strike="noStrike" cap="none" normalizeH="0" baseline="0" dirty="0">
                         <a:ln>
@@ -8705,61 +8876,6 @@
                         <a:buNone/>
                       </a:pPr>
                       <a:r>
-                        <a:rPr kumimoji="0" lang="zh-CN" altLang="en-US" sz="1115" b="0" i="0" u="none" strike="noStrike" cap="none" normalizeH="0" baseline="0" dirty="0">
-                          <a:ln>
-                            <a:noFill/>
-                          </a:ln>
-                          <a:solidFill>
-                            <a:srgbClr val="000000"/>
-                          </a:solidFill>
-                          <a:effectLst/>
-                          <a:latin typeface="微软雅黑" panose="020B0503020204020204" pitchFamily="34" charset="-122"/>
-                          <a:ea typeface="微软雅黑" panose="020B0503020204020204" pitchFamily="34" charset="-122"/>
-                        </a:rPr>
-                        <a:t>如果有，自评并且</a:t>
-                      </a:r>
-                      <a:r>
-                        <a:rPr kumimoji="0" lang="en-US" altLang="zh-CN" sz="1115" b="0" i="0" u="none" strike="noStrike" cap="none" normalizeH="0" baseline="0" dirty="0">
-                          <a:ln>
-                            <a:noFill/>
-                          </a:ln>
-                          <a:solidFill>
-                            <a:srgbClr val="000000"/>
-                          </a:solidFill>
-                          <a:effectLst/>
-                          <a:latin typeface="微软雅黑" panose="020B0503020204020204" pitchFamily="34" charset="-122"/>
-                          <a:ea typeface="微软雅黑" panose="020B0503020204020204" pitchFamily="34" charset="-122"/>
-                        </a:rPr>
-                        <a:t/>
-                      </a:r>
-                      <a:br>
-                        <a:rPr kumimoji="0" lang="en-US" altLang="zh-CN" sz="1115" b="0" i="0" u="none" strike="noStrike" cap="none" normalizeH="0" baseline="0" dirty="0">
-                          <a:ln>
-                            <a:noFill/>
-                          </a:ln>
-                          <a:solidFill>
-                            <a:srgbClr val="000000"/>
-                          </a:solidFill>
-                          <a:effectLst/>
-                          <a:latin typeface="微软雅黑" panose="020B0503020204020204" pitchFamily="34" charset="-122"/>
-                          <a:ea typeface="微软雅黑" panose="020B0503020204020204" pitchFamily="34" charset="-122"/>
-                        </a:rPr>
-                      </a:br>
-                      <a:r>
-                        <a:rPr kumimoji="0" lang="zh-CN" altLang="en-US" sz="1115" b="0" i="0" u="none" strike="noStrike" cap="none" normalizeH="0" baseline="0" dirty="0">
-                          <a:ln>
-                            <a:noFill/>
-                          </a:ln>
-                          <a:solidFill>
-                            <a:srgbClr val="000000"/>
-                          </a:solidFill>
-                          <a:effectLst/>
-                          <a:latin typeface="微软雅黑" panose="020B0503020204020204" pitchFamily="34" charset="-122"/>
-                          <a:ea typeface="微软雅黑" panose="020B0503020204020204" pitchFamily="34" charset="-122"/>
-                        </a:rPr>
-                        <a:t>自己添加备注说明</a:t>
-                      </a:r>
-                      <a:r>
                         <a:rPr kumimoji="0" lang="en-US" altLang="zh-CN" sz="1115" b="0" i="0" u="none" strike="noStrike" cap="none" normalizeH="0" baseline="0" dirty="0">
                           <a:ln>
                             <a:noFill/>
@@ -9073,6 +9189,20 @@
                         <a:buFont typeface="Wingdings" panose="05000000000000000000" pitchFamily="2" charset="2"/>
                         <a:buNone/>
                       </a:pPr>
+                      <a:r>
+                        <a:rPr kumimoji="0" lang="en-US" altLang="zh-CN" sz="1115" b="0" i="0" u="none" strike="noStrike" cap="none" normalizeH="0" baseline="0" dirty="0" smtClean="0">
+                          <a:ln>
+                            <a:noFill/>
+                          </a:ln>
+                          <a:solidFill>
+                            <a:srgbClr val="000000"/>
+                          </a:solidFill>
+                          <a:effectLst/>
+                          <a:latin typeface="微软雅黑" panose="020B0503020204020204" pitchFamily="34" charset="-122"/>
+                          <a:ea typeface="微软雅黑" panose="020B0503020204020204" pitchFamily="34" charset="-122"/>
+                        </a:rPr>
+                        <a:t>1</a:t>
+                      </a:r>
                       <a:endParaRPr kumimoji="0" lang="zh-CN" altLang="en-US" sz="1115" b="0" i="0" u="none" strike="noStrike" cap="none" normalizeH="0" baseline="0" dirty="0">
                         <a:ln>
                           <a:noFill/>
@@ -9157,7 +9287,7 @@
                         <a:buNone/>
                       </a:pPr>
                       <a:r>
-                        <a:rPr kumimoji="0" lang="zh-CN" altLang="en-US" sz="1115" b="0" i="0" u="none" strike="noStrike" cap="none" normalizeH="0" baseline="0" dirty="0">
+                        <a:rPr kumimoji="0" lang="zh-CN" altLang="en-US" sz="1115" b="0" i="0" u="none" strike="noStrike" cap="none" normalizeH="0" baseline="0" dirty="0" smtClean="0">
                           <a:ln>
                             <a:noFill/>
                           </a:ln>
@@ -9168,48 +9298,7 @@
                           <a:latin typeface="微软雅黑" panose="020B0503020204020204" pitchFamily="34" charset="-122"/>
                           <a:ea typeface="微软雅黑" panose="020B0503020204020204" pitchFamily="34" charset="-122"/>
                         </a:rPr>
-                        <a:t>如果有，自评并且</a:t>
-                      </a:r>
-                      <a:r>
-                        <a:rPr kumimoji="0" lang="en-US" altLang="zh-CN" sz="1115" b="0" i="0" u="none" strike="noStrike" cap="none" normalizeH="0" baseline="0" dirty="0">
-                          <a:ln>
-                            <a:noFill/>
-                          </a:ln>
-                          <a:solidFill>
-                            <a:srgbClr val="000000"/>
-                          </a:solidFill>
-                          <a:effectLst/>
-                          <a:latin typeface="微软雅黑" panose="020B0503020204020204" pitchFamily="34" charset="-122"/>
-                          <a:ea typeface="微软雅黑" panose="020B0503020204020204" pitchFamily="34" charset="-122"/>
-                        </a:rPr>
-                        <a:t/>
-                      </a:r>
-                      <a:br>
-                        <a:rPr kumimoji="0" lang="en-US" altLang="zh-CN" sz="1115" b="0" i="0" u="none" strike="noStrike" cap="none" normalizeH="0" baseline="0" dirty="0">
-                          <a:ln>
-                            <a:noFill/>
-                          </a:ln>
-                          <a:solidFill>
-                            <a:srgbClr val="000000"/>
-                          </a:solidFill>
-                          <a:effectLst/>
-                          <a:latin typeface="微软雅黑" panose="020B0503020204020204" pitchFamily="34" charset="-122"/>
-                          <a:ea typeface="微软雅黑" panose="020B0503020204020204" pitchFamily="34" charset="-122"/>
-                        </a:rPr>
-                      </a:br>
-                      <a:r>
-                        <a:rPr kumimoji="0" lang="zh-CN" altLang="en-US" sz="1115" b="0" i="0" u="none" strike="noStrike" cap="none" normalizeH="0" baseline="0" dirty="0">
-                          <a:ln>
-                            <a:noFill/>
-                          </a:ln>
-                          <a:solidFill>
-                            <a:srgbClr val="000000"/>
-                          </a:solidFill>
-                          <a:effectLst/>
-                          <a:latin typeface="微软雅黑" panose="020B0503020204020204" pitchFamily="34" charset="-122"/>
-                          <a:ea typeface="微软雅黑" panose="020B0503020204020204" pitchFamily="34" charset="-122"/>
-                        </a:rPr>
-                        <a:t>自己添加备注说明</a:t>
+                        <a:t>同时负责三个项目的运维管理，积累了很多经验</a:t>
                       </a:r>
                       <a:r>
                         <a:rPr kumimoji="0" lang="en-US" altLang="zh-CN" sz="1115" b="0" i="0" u="none" strike="noStrike" cap="none" normalizeH="0" baseline="0" dirty="0">
@@ -9505,28 +9594,28 @@
             </p:custDataLst>
             <p:extLst>
               <p:ext uri="{D42A27DB-BD31-4B8C-83A1-F6EECF244321}">
-                <p14:modId xmlns:p14="http://schemas.microsoft.com/office/powerpoint/2010/main" val="1054316010"/>
+                <p14:modId xmlns:p14="http://schemas.microsoft.com/office/powerpoint/2010/main" val="4244412309"/>
               </p:ext>
             </p:extLst>
           </p:nvPr>
         </p:nvGraphicFramePr>
         <p:xfrm>
-          <a:off x="268888" y="974723"/>
-          <a:ext cx="11303635" cy="5379617"/>
+          <a:off x="268888" y="974724"/>
+          <a:ext cx="11303635" cy="5428388"/>
         </p:xfrm>
         <a:graphic>
           <a:graphicData uri="http://schemas.openxmlformats.org/drawingml/2006/table">
             <a:tbl>
               <a:tblPr/>
               <a:tblGrid>
-                <a:gridCol w="1566510">
+                <a:gridCol w="1854542">
                   <a:extLst>
                     <a:ext uri="{9D8B030D-6E8A-4147-A177-3AD203B41FA5}">
                       <a16:colId xmlns:a16="http://schemas.microsoft.com/office/drawing/2014/main" val="20000"/>
                     </a:ext>
                   </a:extLst>
                 </a:gridCol>
-                <a:gridCol w="1673260">
+                <a:gridCol w="1385228">
                   <a:extLst>
                     <a:ext uri="{9D8B030D-6E8A-4147-A177-3AD203B41FA5}">
                       <a16:colId xmlns:a16="http://schemas.microsoft.com/office/drawing/2014/main" val="20001"/>
@@ -9548,7 +9637,7 @@
                   </a:extLst>
                 </a:gridCol>
               </a:tblGrid>
-              <a:tr h="670797">
+              <a:tr h="555080">
                 <a:tc>
                   <a:txBody>
                     <a:bodyPr/>
@@ -9933,7 +10022,7 @@
                   </a:ext>
                 </a:extLst>
               </a:tr>
-              <a:tr h="2135298">
+              <a:tr h="2436654">
                 <a:tc>
                   <a:txBody>
                     <a:bodyPr/>
@@ -9968,7 +10057,7 @@
                           <a:latin typeface="微软雅黑" panose="020B0503020204020204" pitchFamily="34" charset="-122"/>
                           <a:ea typeface="微软雅黑" panose="020B0503020204020204" pitchFamily="34" charset="-122"/>
                         </a:rPr>
-                        <a:t>广日物流</a:t>
+                        <a:t>浙江华远</a:t>
                       </a:r>
                       <a:endParaRPr kumimoji="0" lang="zh-CN" altLang="en-US" sz="1400" b="0" i="0" u="none" strike="noStrike" cap="none" normalizeH="0" baseline="0" dirty="0">
                         <a:ln>
@@ -9980,6 +10069,107 @@
                         <a:effectLst/>
                         <a:latin typeface="微软雅黑" panose="020B0503020204020204" pitchFamily="34" charset="-122"/>
                         <a:ea typeface="微软雅黑" panose="020B0503020204020204" pitchFamily="34" charset="-122"/>
+                      </a:endParaRPr>
+                    </a:p>
+                  </a:txBody>
+                  <a:tcPr anchor="ctr" horzOverflow="overflow">
+                    <a:lnL w="12700" cap="flat" cmpd="sng" algn="ctr">
+                      <a:solidFill>
+                        <a:schemeClr val="tx1"/>
+                      </a:solidFill>
+                      <a:prstDash val="solid"/>
+                      <a:round/>
+                      <a:headEnd type="none" w="med" len="med"/>
+                      <a:tailEnd type="none" w="med" len="med"/>
+                    </a:lnL>
+                    <a:lnR w="12700" cap="flat" cmpd="sng" algn="ctr">
+                      <a:solidFill>
+                        <a:schemeClr val="tx1"/>
+                      </a:solidFill>
+                      <a:prstDash val="solid"/>
+                      <a:round/>
+                      <a:headEnd type="none" w="med" len="med"/>
+                      <a:tailEnd type="none" w="med" len="med"/>
+                    </a:lnR>
+                    <a:lnT w="12700" cap="flat" cmpd="sng" algn="ctr">
+                      <a:solidFill>
+                        <a:schemeClr val="tx1"/>
+                      </a:solidFill>
+                      <a:prstDash val="solid"/>
+                      <a:round/>
+                      <a:headEnd type="none" w="med" len="med"/>
+                      <a:tailEnd type="none" w="med" len="med"/>
+                    </a:lnT>
+                    <a:lnB w="12700" cap="flat" cmpd="sng" algn="ctr">
+                      <a:solidFill>
+                        <a:schemeClr val="tx1"/>
+                      </a:solidFill>
+                      <a:prstDash val="solid"/>
+                      <a:round/>
+                      <a:headEnd type="none" w="med" len="med"/>
+                      <a:tailEnd type="none" w="med" len="med"/>
+                    </a:lnB>
+                    <a:lnTlToBr>
+                      <a:noFill/>
+                    </a:lnTlToBr>
+                    <a:lnBlToTr>
+                      <a:noFill/>
+                    </a:lnBlToTr>
+                    <a:solidFill>
+                      <a:srgbClr val="FFFFFF"/>
+                    </a:solidFill>
+                  </a:tcPr>
+                </a:tc>
+                <a:tc>
+                  <a:txBody>
+                    <a:bodyPr/>
+                    <a:lstStyle/>
+                    <a:p>
+                      <a:pPr marL="0" marR="0" lvl="0" indent="0" algn="ctr" defTabSz="914400" rtl="0" eaLnBrk="0" fontAlgn="ctr" latinLnBrk="0" hangingPunct="0">
+                        <a:lnSpc>
+                          <a:spcPct val="100000"/>
+                        </a:lnSpc>
+                        <a:spcBef>
+                          <a:spcPct val="10000"/>
+                        </a:spcBef>
+                        <a:spcAft>
+                          <a:spcPct val="0"/>
+                        </a:spcAft>
+                        <a:buClr>
+                          <a:srgbClr val="CC3300"/>
+                        </a:buClr>
+                        <a:buSzPct val="70000"/>
+                        <a:buFont typeface="Wingdings" panose="05000000000000000000" pitchFamily="2" charset="2"/>
+                        <a:buNone/>
+                        <a:tabLst/>
+                        <a:defRPr/>
+                      </a:pPr>
+                      <a:r>
+                        <a:rPr kumimoji="0" lang="en-US" altLang="zh-CN" sz="1400" b="0" i="0" u="none" strike="noStrike" kern="1200" cap="none" normalizeH="0" baseline="0" dirty="0" smtClean="0">
+                          <a:ln>
+                            <a:noFill/>
+                          </a:ln>
+                          <a:solidFill>
+                            <a:schemeClr val="tx1"/>
+                          </a:solidFill>
+                          <a:effectLst/>
+                          <a:latin typeface="微软雅黑" panose="020B0503020204020204" pitchFamily="34" charset="-122"/>
+                          <a:ea typeface="微软雅黑" panose="020B0503020204020204" pitchFamily="34" charset="-122"/>
+                          <a:cs typeface="+mn-cs"/>
+                        </a:rPr>
+                        <a:t>2020.3-2020.7</a:t>
+                      </a:r>
+                      <a:endParaRPr kumimoji="0" lang="zh-CN" altLang="en-US" sz="1400" b="0" i="0" u="none" strike="noStrike" kern="1200" cap="none" normalizeH="0" baseline="0" dirty="0" smtClean="0">
+                        <a:ln>
+                          <a:noFill/>
+                        </a:ln>
+                        <a:solidFill>
+                          <a:schemeClr val="tx1"/>
+                        </a:solidFill>
+                        <a:effectLst/>
+                        <a:latin typeface="微软雅黑" panose="020B0503020204020204" pitchFamily="34" charset="-122"/>
+                        <a:ea typeface="微软雅黑" panose="020B0503020204020204" pitchFamily="34" charset="-122"/>
+                        <a:cs typeface="+mn-cs"/>
                       </a:endParaRPr>
                     </a:p>
                   </a:txBody>
@@ -10054,105 +10244,6 @@
                         <a:buNone/>
                       </a:pPr>
                       <a:r>
-                        <a:rPr kumimoji="0" lang="en-US" altLang="zh-CN" sz="1400" b="0" i="0" u="none" strike="noStrike" kern="1200" cap="none" normalizeH="0" baseline="0" dirty="0" smtClean="0">
-                          <a:ln>
-                            <a:noFill/>
-                          </a:ln>
-                          <a:solidFill>
-                            <a:schemeClr val="tx1"/>
-                          </a:solidFill>
-                          <a:effectLst/>
-                          <a:latin typeface="微软雅黑" panose="020B0503020204020204" pitchFamily="34" charset="-122"/>
-                          <a:ea typeface="微软雅黑" panose="020B0503020204020204" pitchFamily="34" charset="-122"/>
-                          <a:cs typeface="+mn-cs"/>
-                        </a:rPr>
-                        <a:t>2019.12-2020.3</a:t>
-                      </a:r>
-                      <a:endParaRPr kumimoji="0" lang="en-US" altLang="zh-CN" sz="1400" b="0" i="0" u="none" strike="noStrike" kern="1200" cap="none" normalizeH="0" baseline="0" dirty="0">
-                        <a:ln>
-                          <a:noFill/>
-                        </a:ln>
-                        <a:solidFill>
-                          <a:schemeClr val="tx1"/>
-                        </a:solidFill>
-                        <a:effectLst/>
-                        <a:latin typeface="微软雅黑" panose="020B0503020204020204" pitchFamily="34" charset="-122"/>
-                        <a:ea typeface="微软雅黑" panose="020B0503020204020204" pitchFamily="34" charset="-122"/>
-                        <a:cs typeface="+mn-cs"/>
-                      </a:endParaRPr>
-                    </a:p>
-                  </a:txBody>
-                  <a:tcPr anchor="ctr" horzOverflow="overflow">
-                    <a:lnL w="12700" cap="flat" cmpd="sng" algn="ctr">
-                      <a:solidFill>
-                        <a:schemeClr val="tx1"/>
-                      </a:solidFill>
-                      <a:prstDash val="solid"/>
-                      <a:round/>
-                      <a:headEnd type="none" w="med" len="med"/>
-                      <a:tailEnd type="none" w="med" len="med"/>
-                    </a:lnL>
-                    <a:lnR w="12700" cap="flat" cmpd="sng" algn="ctr">
-                      <a:solidFill>
-                        <a:schemeClr val="tx1"/>
-                      </a:solidFill>
-                      <a:prstDash val="solid"/>
-                      <a:round/>
-                      <a:headEnd type="none" w="med" len="med"/>
-                      <a:tailEnd type="none" w="med" len="med"/>
-                    </a:lnR>
-                    <a:lnT w="12700" cap="flat" cmpd="sng" algn="ctr">
-                      <a:solidFill>
-                        <a:schemeClr val="tx1"/>
-                      </a:solidFill>
-                      <a:prstDash val="solid"/>
-                      <a:round/>
-                      <a:headEnd type="none" w="med" len="med"/>
-                      <a:tailEnd type="none" w="med" len="med"/>
-                    </a:lnT>
-                    <a:lnB w="12700" cap="flat" cmpd="sng" algn="ctr">
-                      <a:solidFill>
-                        <a:schemeClr val="tx1"/>
-                      </a:solidFill>
-                      <a:prstDash val="solid"/>
-                      <a:round/>
-                      <a:headEnd type="none" w="med" len="med"/>
-                      <a:tailEnd type="none" w="med" len="med"/>
-                    </a:lnB>
-                    <a:lnTlToBr>
-                      <a:noFill/>
-                    </a:lnTlToBr>
-                    <a:lnBlToTr>
-                      <a:noFill/>
-                    </a:lnBlToTr>
-                    <a:solidFill>
-                      <a:srgbClr val="FFFFFF"/>
-                    </a:solidFill>
-                  </a:tcPr>
-                </a:tc>
-                <a:tc>
-                  <a:txBody>
-                    <a:bodyPr/>
-                    <a:lstStyle/>
-                    <a:p>
-                      <a:pPr marL="0" marR="0" lvl="0" indent="0" algn="ctr" defTabSz="914400" rtl="0" eaLnBrk="0" fontAlgn="ctr" latinLnBrk="0" hangingPunct="0">
-                        <a:lnSpc>
-                          <a:spcPct val="100000"/>
-                        </a:lnSpc>
-                        <a:spcBef>
-                          <a:spcPct val="10000"/>
-                        </a:spcBef>
-                        <a:spcAft>
-                          <a:spcPct val="0"/>
-                        </a:spcAft>
-                        <a:buClr>
-                          <a:srgbClr val="CC3300"/>
-                        </a:buClr>
-                        <a:buSzPct val="70000"/>
-                        <a:buFont typeface="Wingdings" panose="05000000000000000000" pitchFamily="2" charset="2"/>
-                        <a:buNone/>
-                      </a:pPr>
-                      <a:r>
                         <a:rPr kumimoji="0" lang="zh-CN" altLang="en-US" sz="1400" b="0" i="0" u="none" strike="noStrike" kern="1200" cap="none" normalizeH="0" baseline="0" dirty="0" smtClean="0">
                           <a:ln>
                             <a:noFill/>
@@ -10168,610 +10259,6 @@
                         <a:t>后端技术</a:t>
                       </a:r>
                       <a:endParaRPr kumimoji="0" lang="en-US" altLang="zh-CN" sz="1400" b="0" i="0" u="none" strike="noStrike" kern="1200" cap="none" normalizeH="0" baseline="0" dirty="0">
-                        <a:ln>
-                          <a:noFill/>
-                        </a:ln>
-                        <a:solidFill>
-                          <a:schemeClr val="tx1"/>
-                        </a:solidFill>
-                        <a:effectLst/>
-                        <a:latin typeface="微软雅黑" panose="020B0503020204020204" pitchFamily="34" charset="-122"/>
-                        <a:ea typeface="微软雅黑" panose="020B0503020204020204" pitchFamily="34" charset="-122"/>
-                        <a:cs typeface="+mn-cs"/>
-                      </a:endParaRPr>
-                    </a:p>
-                  </a:txBody>
-                  <a:tcPr anchor="ctr" horzOverflow="overflow">
-                    <a:lnL w="12700" cap="flat" cmpd="sng" algn="ctr">
-                      <a:solidFill>
-                        <a:schemeClr val="tx1"/>
-                      </a:solidFill>
-                      <a:prstDash val="solid"/>
-                      <a:round/>
-                      <a:headEnd type="none" w="med" len="med"/>
-                      <a:tailEnd type="none" w="med" len="med"/>
-                    </a:lnL>
-                    <a:lnR w="12700" cap="flat" cmpd="sng" algn="ctr">
-                      <a:solidFill>
-                        <a:schemeClr val="tx1"/>
-                      </a:solidFill>
-                      <a:prstDash val="solid"/>
-                      <a:round/>
-                      <a:headEnd type="none" w="med" len="med"/>
-                      <a:tailEnd type="none" w="med" len="med"/>
-                    </a:lnR>
-                    <a:lnT w="12700" cap="flat" cmpd="sng" algn="ctr">
-                      <a:solidFill>
-                        <a:schemeClr val="tx1"/>
-                      </a:solidFill>
-                      <a:prstDash val="solid"/>
-                      <a:round/>
-                      <a:headEnd type="none" w="med" len="med"/>
-                      <a:tailEnd type="none" w="med" len="med"/>
-                    </a:lnT>
-                    <a:lnB w="12700" cap="flat" cmpd="sng" algn="ctr">
-                      <a:solidFill>
-                        <a:schemeClr val="tx1"/>
-                      </a:solidFill>
-                      <a:prstDash val="solid"/>
-                      <a:round/>
-                      <a:headEnd type="none" w="med" len="med"/>
-                      <a:tailEnd type="none" w="med" len="med"/>
-                    </a:lnB>
-                    <a:lnTlToBr>
-                      <a:noFill/>
-                    </a:lnTlToBr>
-                    <a:lnBlToTr>
-                      <a:noFill/>
-                    </a:lnBlToTr>
-                    <a:solidFill>
-                      <a:srgbClr val="FFFFFF"/>
-                    </a:solidFill>
-                  </a:tcPr>
-                </a:tc>
-                <a:tc>
-                  <a:txBody>
-                    <a:bodyPr/>
-                    <a:lstStyle/>
-                    <a:p>
-                      <a:pPr marL="0" marR="0" lvl="0" indent="0" algn="l" defTabSz="914400" rtl="0" eaLnBrk="0" fontAlgn="ctr" latinLnBrk="0" hangingPunct="0">
-                        <a:lnSpc>
-                          <a:spcPct val="100000"/>
-                        </a:lnSpc>
-                        <a:spcBef>
-                          <a:spcPct val="10000"/>
-                        </a:spcBef>
-                        <a:spcAft>
-                          <a:spcPct val="0"/>
-                        </a:spcAft>
-                        <a:buClr>
-                          <a:schemeClr val="tx1"/>
-                        </a:buClr>
-                        <a:buSzPct val="70000"/>
-                        <a:buFont typeface="Wingdings" panose="05000000000000000000" pitchFamily="2" charset="2"/>
-                        <a:buNone/>
-                      </a:pPr>
-                      <a:r>
-                        <a:rPr kumimoji="0" lang="zh-CN" altLang="en-US" sz="1400" b="0" i="0" u="none" strike="noStrike" cap="none" normalizeH="0" baseline="0" dirty="0">
-                          <a:ln>
-                            <a:noFill/>
-                          </a:ln>
-                          <a:solidFill>
-                            <a:srgbClr val="000000"/>
-                          </a:solidFill>
-                          <a:effectLst/>
-                          <a:latin typeface="微软雅黑" panose="020B0503020204020204" pitchFamily="34" charset="-122"/>
-                          <a:ea typeface="微软雅黑" panose="020B0503020204020204" pitchFamily="34" charset="-122"/>
-                        </a:rPr>
-                        <a:t>完成</a:t>
-                      </a:r>
-                      <a:r>
-                        <a:rPr kumimoji="0" lang="zh-CN" altLang="en-US" sz="1400" b="0" i="0" u="none" strike="noStrike" cap="none" normalizeH="0" baseline="0" dirty="0" smtClean="0">
-                          <a:ln>
-                            <a:noFill/>
-                          </a:ln>
-                          <a:solidFill>
-                            <a:srgbClr val="000000"/>
-                          </a:solidFill>
-                          <a:effectLst/>
-                          <a:latin typeface="微软雅黑" panose="020B0503020204020204" pitchFamily="34" charset="-122"/>
-                          <a:ea typeface="微软雅黑" panose="020B0503020204020204" pitchFamily="34" charset="-122"/>
-                        </a:rPr>
-                        <a:t>了完工退库，采购退货，多个业务数据设置，多个通用方法等功能的开发，以及装箱装配工作台等功能的后续维护更新；</a:t>
-                      </a:r>
-                      <a:endParaRPr kumimoji="0" lang="en-US" altLang="zh-CN" sz="1400" b="0" i="0" u="none" strike="noStrike" cap="none" normalizeH="0" baseline="0" dirty="0">
-                        <a:ln>
-                          <a:noFill/>
-                        </a:ln>
-                        <a:solidFill>
-                          <a:srgbClr val="000000"/>
-                        </a:solidFill>
-                        <a:effectLst/>
-                        <a:latin typeface="微软雅黑" panose="020B0503020204020204" pitchFamily="34" charset="-122"/>
-                        <a:ea typeface="微软雅黑" panose="020B0503020204020204" pitchFamily="34" charset="-122"/>
-                      </a:endParaRPr>
-                    </a:p>
-                    <a:p>
-                      <a:pPr marL="0" marR="0" lvl="0" indent="0" algn="l" defTabSz="914400" rtl="0" eaLnBrk="0" fontAlgn="ctr" latinLnBrk="0" hangingPunct="0">
-                        <a:lnSpc>
-                          <a:spcPct val="100000"/>
-                        </a:lnSpc>
-                        <a:spcBef>
-                          <a:spcPct val="10000"/>
-                        </a:spcBef>
-                        <a:spcAft>
-                          <a:spcPct val="0"/>
-                        </a:spcAft>
-                        <a:buClr>
-                          <a:schemeClr val="tx1"/>
-                        </a:buClr>
-                        <a:buSzPct val="70000"/>
-                        <a:buFont typeface="Wingdings" panose="05000000000000000000" pitchFamily="2" charset="2"/>
-                        <a:buNone/>
-                      </a:pPr>
-                      <a:r>
-                        <a:rPr kumimoji="0" lang="zh-CN" altLang="en-US" sz="1400" b="0" i="0" u="none" strike="noStrike" cap="none" normalizeH="0" baseline="0" dirty="0">
-                          <a:ln>
-                            <a:noFill/>
-                          </a:ln>
-                          <a:solidFill>
-                            <a:srgbClr val="000000"/>
-                          </a:solidFill>
-                          <a:effectLst/>
-                          <a:latin typeface="微软雅黑" panose="020B0503020204020204" pitchFamily="34" charset="-122"/>
-                          <a:ea typeface="微软雅黑" panose="020B0503020204020204" pitchFamily="34" charset="-122"/>
-                        </a:rPr>
-                        <a:t>学习</a:t>
-                      </a:r>
-                      <a:r>
-                        <a:rPr kumimoji="0" lang="zh-CN" altLang="en-US" sz="1400" b="0" i="0" u="none" strike="noStrike" cap="none" normalizeH="0" baseline="0" dirty="0" smtClean="0">
-                          <a:ln>
-                            <a:noFill/>
-                          </a:ln>
-                          <a:solidFill>
-                            <a:srgbClr val="000000"/>
-                          </a:solidFill>
-                          <a:effectLst/>
-                          <a:latin typeface="微软雅黑" panose="020B0503020204020204" pitchFamily="34" charset="-122"/>
-                          <a:ea typeface="微软雅黑" panose="020B0503020204020204" pitchFamily="34" charset="-122"/>
-                        </a:rPr>
-                        <a:t>了</a:t>
-                      </a:r>
-                      <a:r>
-                        <a:rPr kumimoji="0" lang="en-US" altLang="zh-CN" sz="1400" b="0" i="0" u="none" strike="noStrike" cap="none" normalizeH="0" baseline="0" dirty="0" smtClean="0">
-                          <a:ln>
-                            <a:noFill/>
-                          </a:ln>
-                          <a:solidFill>
-                            <a:srgbClr val="000000"/>
-                          </a:solidFill>
-                          <a:effectLst/>
-                          <a:latin typeface="微软雅黑" panose="020B0503020204020204" pitchFamily="34" charset="-122"/>
-                          <a:ea typeface="微软雅黑" panose="020B0503020204020204" pitchFamily="34" charset="-122"/>
-                        </a:rPr>
-                        <a:t>HZERO</a:t>
-                      </a:r>
-                      <a:r>
-                        <a:rPr kumimoji="0" lang="zh-CN" altLang="en-US" sz="1400" b="0" i="0" u="none" strike="noStrike" cap="none" normalizeH="0" baseline="0" dirty="0" smtClean="0">
-                          <a:ln>
-                            <a:noFill/>
-                          </a:ln>
-                          <a:solidFill>
-                            <a:srgbClr val="000000"/>
-                          </a:solidFill>
-                          <a:effectLst/>
-                          <a:latin typeface="微软雅黑" panose="020B0503020204020204" pitchFamily="34" charset="-122"/>
-                          <a:ea typeface="微软雅黑" panose="020B0503020204020204" pitchFamily="34" charset="-122"/>
-                        </a:rPr>
-                        <a:t>在实际项目开发中的应用；</a:t>
-                      </a:r>
-                      <a:endParaRPr kumimoji="0" lang="en-US" altLang="zh-CN" sz="1400" b="0" i="0" u="none" strike="noStrike" cap="none" normalizeH="0" baseline="0" dirty="0">
-                        <a:ln>
-                          <a:noFill/>
-                        </a:ln>
-                        <a:solidFill>
-                          <a:srgbClr val="000000"/>
-                        </a:solidFill>
-                        <a:effectLst/>
-                        <a:latin typeface="微软雅黑" panose="020B0503020204020204" pitchFamily="34" charset="-122"/>
-                        <a:ea typeface="微软雅黑" panose="020B0503020204020204" pitchFamily="34" charset="-122"/>
-                      </a:endParaRPr>
-                    </a:p>
-                    <a:p>
-                      <a:pPr marL="0" marR="0" lvl="0" indent="0" algn="l" defTabSz="914400" rtl="0" eaLnBrk="0" fontAlgn="ctr" latinLnBrk="0" hangingPunct="0">
-                        <a:lnSpc>
-                          <a:spcPct val="100000"/>
-                        </a:lnSpc>
-                        <a:spcBef>
-                          <a:spcPct val="10000"/>
-                        </a:spcBef>
-                        <a:spcAft>
-                          <a:spcPct val="0"/>
-                        </a:spcAft>
-                        <a:buClr>
-                          <a:schemeClr val="tx1"/>
-                        </a:buClr>
-                        <a:buSzPct val="70000"/>
-                        <a:buFont typeface="Wingdings" panose="05000000000000000000" pitchFamily="2" charset="2"/>
-                        <a:buNone/>
-                        <a:tabLst/>
-                        <a:defRPr/>
-                      </a:pPr>
-                      <a:r>
-                        <a:rPr kumimoji="0" lang="zh-CN" altLang="en-US" sz="1400" b="0" i="0" u="none" strike="noStrike" cap="none" normalizeH="0" baseline="0" dirty="0" smtClean="0">
-                          <a:ln>
-                            <a:noFill/>
-                          </a:ln>
-                          <a:solidFill>
-                            <a:srgbClr val="000000"/>
-                          </a:solidFill>
-                          <a:effectLst/>
-                          <a:latin typeface="微软雅黑" panose="020B0503020204020204" pitchFamily="34" charset="-122"/>
-                          <a:ea typeface="微软雅黑" panose="020B0503020204020204" pitchFamily="34" charset="-122"/>
-                        </a:rPr>
-                        <a:t>提高了微服务框架下的开发能力，提高了对</a:t>
-                      </a:r>
-                      <a:r>
-                        <a:rPr kumimoji="0" lang="en-US" altLang="zh-CN" sz="1400" b="0" i="0" u="none" strike="noStrike" cap="none" normalizeH="0" baseline="0" dirty="0" smtClean="0">
-                          <a:ln>
-                            <a:noFill/>
-                          </a:ln>
-                          <a:solidFill>
-                            <a:srgbClr val="000000"/>
-                          </a:solidFill>
-                          <a:effectLst/>
-                          <a:latin typeface="微软雅黑" panose="020B0503020204020204" pitchFamily="34" charset="-122"/>
-                          <a:ea typeface="微软雅黑" panose="020B0503020204020204" pitchFamily="34" charset="-122"/>
-                        </a:rPr>
-                        <a:t>HZERO</a:t>
-                      </a:r>
-                      <a:r>
-                        <a:rPr kumimoji="0" lang="zh-CN" altLang="en-US" sz="1400" b="0" i="0" u="none" strike="noStrike" cap="none" normalizeH="0" baseline="0" dirty="0" smtClean="0">
-                          <a:ln>
-                            <a:noFill/>
-                          </a:ln>
-                          <a:solidFill>
-                            <a:srgbClr val="000000"/>
-                          </a:solidFill>
-                          <a:effectLst/>
-                          <a:latin typeface="微软雅黑" panose="020B0503020204020204" pitchFamily="34" charset="-122"/>
-                          <a:ea typeface="微软雅黑" panose="020B0503020204020204" pitchFamily="34" charset="-122"/>
-                        </a:rPr>
-                        <a:t>的掌握，提高了代码优化能力，加深对代码规范的理解，</a:t>
-                      </a:r>
-                      <a:r>
-                        <a:rPr kumimoji="0" lang="zh-CN" altLang="en-US" sz="1400" b="0" i="0" u="none" strike="noStrike" cap="none" normalizeH="0" baseline="0" dirty="0" smtClean="0">
-                          <a:ln>
-                            <a:noFill/>
-                          </a:ln>
-                          <a:solidFill>
-                            <a:schemeClr val="tx1"/>
-                          </a:solidFill>
-                          <a:effectLst/>
-                          <a:latin typeface="微软雅黑" panose="020B0503020204020204" pitchFamily="34" charset="-122"/>
-                          <a:ea typeface="微软雅黑" panose="020B0503020204020204" pitchFamily="34" charset="-122"/>
-                        </a:rPr>
-                        <a:t>提高了对</a:t>
-                      </a:r>
-                      <a:r>
-                        <a:rPr kumimoji="0" lang="en-US" altLang="zh-CN" sz="1400" b="0" i="0" u="none" strike="noStrike" cap="none" normalizeH="0" baseline="0" dirty="0" smtClean="0">
-                          <a:ln>
-                            <a:noFill/>
-                          </a:ln>
-                          <a:solidFill>
-                            <a:schemeClr val="tx1"/>
-                          </a:solidFill>
-                          <a:effectLst/>
-                          <a:latin typeface="微软雅黑" panose="020B0503020204020204" pitchFamily="34" charset="-122"/>
-                          <a:ea typeface="微软雅黑" panose="020B0503020204020204" pitchFamily="34" charset="-122"/>
-                        </a:rPr>
-                        <a:t>MES</a:t>
-                      </a:r>
-                      <a:r>
-                        <a:rPr kumimoji="0" lang="zh-CN" altLang="en-US" sz="1400" b="0" i="0" u="none" strike="noStrike" cap="none" normalizeH="0" baseline="0" dirty="0" smtClean="0">
-                          <a:ln>
-                            <a:noFill/>
-                          </a:ln>
-                          <a:solidFill>
-                            <a:schemeClr val="tx1"/>
-                          </a:solidFill>
-                          <a:effectLst/>
-                          <a:latin typeface="微软雅黑" panose="020B0503020204020204" pitchFamily="34" charset="-122"/>
-                          <a:ea typeface="微软雅黑" panose="020B0503020204020204" pitchFamily="34" charset="-122"/>
-                        </a:rPr>
-                        <a:t>业务的理解</a:t>
-                      </a:r>
-                    </a:p>
-                  </a:txBody>
-                  <a:tcPr anchor="ctr" horzOverflow="overflow">
-                    <a:lnL w="12700" cap="flat" cmpd="sng" algn="ctr">
-                      <a:solidFill>
-                        <a:schemeClr val="tx1"/>
-                      </a:solidFill>
-                      <a:prstDash val="solid"/>
-                      <a:round/>
-                      <a:headEnd type="none" w="med" len="med"/>
-                      <a:tailEnd type="none" w="med" len="med"/>
-                    </a:lnL>
-                    <a:lnR w="12700" cap="flat" cmpd="sng" algn="ctr">
-                      <a:solidFill>
-                        <a:schemeClr val="tx1"/>
-                      </a:solidFill>
-                      <a:prstDash val="solid"/>
-                      <a:round/>
-                      <a:headEnd type="none" w="med" len="med"/>
-                      <a:tailEnd type="none" w="med" len="med"/>
-                    </a:lnR>
-                    <a:lnT w="12700" cap="flat" cmpd="sng" algn="ctr">
-                      <a:solidFill>
-                        <a:schemeClr val="tx1"/>
-                      </a:solidFill>
-                      <a:prstDash val="solid"/>
-                      <a:round/>
-                      <a:headEnd type="none" w="med" len="med"/>
-                      <a:tailEnd type="none" w="med" len="med"/>
-                    </a:lnT>
-                    <a:lnB w="12700" cap="flat" cmpd="sng" algn="ctr">
-                      <a:solidFill>
-                        <a:schemeClr val="tx1"/>
-                      </a:solidFill>
-                      <a:prstDash val="solid"/>
-                      <a:round/>
-                      <a:headEnd type="none" w="med" len="med"/>
-                      <a:tailEnd type="none" w="med" len="med"/>
-                    </a:lnB>
-                    <a:lnTlToBr>
-                      <a:noFill/>
-                    </a:lnTlToBr>
-                    <a:lnBlToTr>
-                      <a:noFill/>
-                    </a:lnBlToTr>
-                    <a:solidFill>
-                      <a:srgbClr val="FFFFFF"/>
-                    </a:solidFill>
-                  </a:tcPr>
-                </a:tc>
-                <a:extLst>
-                  <a:ext uri="{0D108BD9-81ED-4DB2-BD59-A6C34878D82A}">
-                    <a16:rowId xmlns:a16="http://schemas.microsoft.com/office/drawing/2014/main" val="10001"/>
-                  </a:ext>
-                </a:extLst>
-              </a:tr>
-              <a:tr h="2573522">
-                <a:tc>
-                  <a:txBody>
-                    <a:bodyPr/>
-                    <a:lstStyle/>
-                    <a:p>
-                      <a:pPr marL="0" marR="0" lvl="0" indent="0" algn="l" defTabSz="914400" rtl="0" eaLnBrk="0" fontAlgn="ctr" latinLnBrk="0" hangingPunct="0">
-                        <a:lnSpc>
-                          <a:spcPct val="100000"/>
-                        </a:lnSpc>
-                        <a:spcBef>
-                          <a:spcPct val="10000"/>
-                        </a:spcBef>
-                        <a:spcAft>
-                          <a:spcPct val="0"/>
-                        </a:spcAft>
-                        <a:buClr>
-                          <a:srgbClr val="CC3300"/>
-                        </a:buClr>
-                        <a:buSzPct val="70000"/>
-                        <a:buFont typeface="Wingdings" panose="05000000000000000000" pitchFamily="2" charset="2"/>
-                        <a:buNone/>
-                      </a:pPr>
-                      <a:r>
-                        <a:rPr kumimoji="0" lang="zh-CN" altLang="en-US" sz="1400" b="0" i="0" u="none" strike="noStrike" cap="none" normalizeH="0" baseline="0" dirty="0" smtClean="0">
-                          <a:ln>
-                            <a:noFill/>
-                          </a:ln>
-                          <a:solidFill>
-                            <a:schemeClr val="tx1"/>
-                          </a:solidFill>
-                          <a:effectLst/>
-                          <a:latin typeface="微软雅黑" panose="020B0503020204020204" pitchFamily="34" charset="-122"/>
-                          <a:ea typeface="微软雅黑" panose="020B0503020204020204" pitchFamily="34" charset="-122"/>
-                        </a:rPr>
-                        <a:t>浙江华远</a:t>
-                      </a:r>
-                      <a:endParaRPr kumimoji="0" lang="zh-CN" altLang="en-US" sz="1400" b="0" i="0" u="none" strike="noStrike" cap="none" normalizeH="0" baseline="0" dirty="0">
-                        <a:ln>
-                          <a:noFill/>
-                        </a:ln>
-                        <a:solidFill>
-                          <a:schemeClr val="tx1"/>
-                        </a:solidFill>
-                        <a:effectLst/>
-                        <a:latin typeface="微软雅黑" panose="020B0503020204020204" pitchFamily="34" charset="-122"/>
-                        <a:ea typeface="微软雅黑" panose="020B0503020204020204" pitchFamily="34" charset="-122"/>
-                      </a:endParaRPr>
-                    </a:p>
-                  </a:txBody>
-                  <a:tcPr anchor="ctr" horzOverflow="overflow">
-                    <a:lnL w="12700" cap="flat" cmpd="sng" algn="ctr">
-                      <a:solidFill>
-                        <a:schemeClr val="tx1"/>
-                      </a:solidFill>
-                      <a:prstDash val="solid"/>
-                      <a:round/>
-                      <a:headEnd type="none" w="med" len="med"/>
-                      <a:tailEnd type="none" w="med" len="med"/>
-                    </a:lnL>
-                    <a:lnR w="12700" cap="flat" cmpd="sng" algn="ctr">
-                      <a:solidFill>
-                        <a:schemeClr val="tx1"/>
-                      </a:solidFill>
-                      <a:prstDash val="solid"/>
-                      <a:round/>
-                      <a:headEnd type="none" w="med" len="med"/>
-                      <a:tailEnd type="none" w="med" len="med"/>
-                    </a:lnR>
-                    <a:lnT w="12700" cap="flat" cmpd="sng" algn="ctr">
-                      <a:solidFill>
-                        <a:schemeClr val="tx1"/>
-                      </a:solidFill>
-                      <a:prstDash val="solid"/>
-                      <a:round/>
-                      <a:headEnd type="none" w="med" len="med"/>
-                      <a:tailEnd type="none" w="med" len="med"/>
-                    </a:lnT>
-                    <a:lnB w="12700" cap="flat" cmpd="sng" algn="ctr">
-                      <a:solidFill>
-                        <a:schemeClr val="tx1"/>
-                      </a:solidFill>
-                      <a:prstDash val="solid"/>
-                      <a:round/>
-                      <a:headEnd type="none" w="med" len="med"/>
-                      <a:tailEnd type="none" w="med" len="med"/>
-                    </a:lnB>
-                    <a:lnTlToBr>
-                      <a:noFill/>
-                    </a:lnTlToBr>
-                    <a:lnBlToTr>
-                      <a:noFill/>
-                    </a:lnBlToTr>
-                    <a:solidFill>
-                      <a:srgbClr val="FFFFFF"/>
-                    </a:solidFill>
-                  </a:tcPr>
-                </a:tc>
-                <a:tc>
-                  <a:txBody>
-                    <a:bodyPr/>
-                    <a:lstStyle/>
-                    <a:p>
-                      <a:pPr marL="0" marR="0" lvl="0" indent="0" algn="ctr" defTabSz="914400" rtl="0" eaLnBrk="0" fontAlgn="ctr" latinLnBrk="0" hangingPunct="0">
-                        <a:lnSpc>
-                          <a:spcPct val="100000"/>
-                        </a:lnSpc>
-                        <a:spcBef>
-                          <a:spcPct val="10000"/>
-                        </a:spcBef>
-                        <a:spcAft>
-                          <a:spcPct val="0"/>
-                        </a:spcAft>
-                        <a:buClr>
-                          <a:srgbClr val="CC3300"/>
-                        </a:buClr>
-                        <a:buSzPct val="70000"/>
-                        <a:buFont typeface="Wingdings" panose="05000000000000000000" pitchFamily="2" charset="2"/>
-                        <a:buNone/>
-                      </a:pPr>
-                      <a:r>
-                        <a:rPr kumimoji="0" lang="en-US" altLang="zh-CN" sz="1400" b="0" i="0" u="none" strike="noStrike" kern="1200" cap="none" normalizeH="0" baseline="0" dirty="0" smtClean="0">
-                          <a:ln>
-                            <a:noFill/>
-                          </a:ln>
-                          <a:solidFill>
-                            <a:schemeClr val="tx1"/>
-                          </a:solidFill>
-                          <a:effectLst/>
-                          <a:latin typeface="微软雅黑" panose="020B0503020204020204" pitchFamily="34" charset="-122"/>
-                          <a:ea typeface="微软雅黑" panose="020B0503020204020204" pitchFamily="34" charset="-122"/>
-                          <a:cs typeface="+mn-cs"/>
-                        </a:rPr>
-                        <a:t>2020.3-2020.7</a:t>
-                      </a:r>
-                      <a:endParaRPr kumimoji="0" lang="zh-CN" altLang="en-US" sz="1400" b="0" i="0" u="none" strike="noStrike" kern="1200" cap="none" normalizeH="0" baseline="0" dirty="0">
-                        <a:ln>
-                          <a:noFill/>
-                        </a:ln>
-                        <a:solidFill>
-                          <a:schemeClr val="tx1"/>
-                        </a:solidFill>
-                        <a:effectLst/>
-                        <a:latin typeface="微软雅黑" panose="020B0503020204020204" pitchFamily="34" charset="-122"/>
-                        <a:ea typeface="微软雅黑" panose="020B0503020204020204" pitchFamily="34" charset="-122"/>
-                        <a:cs typeface="+mn-cs"/>
-                      </a:endParaRPr>
-                    </a:p>
-                  </a:txBody>
-                  <a:tcPr anchor="ctr" horzOverflow="overflow">
-                    <a:lnL w="12700" cap="flat" cmpd="sng" algn="ctr">
-                      <a:solidFill>
-                        <a:schemeClr val="tx1"/>
-                      </a:solidFill>
-                      <a:prstDash val="solid"/>
-                      <a:round/>
-                      <a:headEnd type="none" w="med" len="med"/>
-                      <a:tailEnd type="none" w="med" len="med"/>
-                    </a:lnL>
-                    <a:lnR w="12700" cap="flat" cmpd="sng" algn="ctr">
-                      <a:solidFill>
-                        <a:schemeClr val="tx1"/>
-                      </a:solidFill>
-                      <a:prstDash val="solid"/>
-                      <a:round/>
-                      <a:headEnd type="none" w="med" len="med"/>
-                      <a:tailEnd type="none" w="med" len="med"/>
-                    </a:lnR>
-                    <a:lnT w="12700" cap="flat" cmpd="sng" algn="ctr">
-                      <a:solidFill>
-                        <a:schemeClr val="tx1"/>
-                      </a:solidFill>
-                      <a:prstDash val="solid"/>
-                      <a:round/>
-                      <a:headEnd type="none" w="med" len="med"/>
-                      <a:tailEnd type="none" w="med" len="med"/>
-                    </a:lnT>
-                    <a:lnB w="12700" cap="flat" cmpd="sng" algn="ctr">
-                      <a:solidFill>
-                        <a:schemeClr val="tx1"/>
-                      </a:solidFill>
-                      <a:prstDash val="solid"/>
-                      <a:round/>
-                      <a:headEnd type="none" w="med" len="med"/>
-                      <a:tailEnd type="none" w="med" len="med"/>
-                    </a:lnB>
-                    <a:lnTlToBr>
-                      <a:noFill/>
-                    </a:lnTlToBr>
-                    <a:lnBlToTr>
-                      <a:noFill/>
-                    </a:lnBlToTr>
-                    <a:solidFill>
-                      <a:srgbClr val="FFFFFF"/>
-                    </a:solidFill>
-                  </a:tcPr>
-                </a:tc>
-                <a:tc>
-                  <a:txBody>
-                    <a:bodyPr/>
-                    <a:lstStyle/>
-                    <a:p>
-                      <a:pPr marL="0" marR="0" lvl="0" indent="0" algn="ctr" defTabSz="914400" rtl="0" eaLnBrk="0" fontAlgn="ctr" latinLnBrk="0" hangingPunct="0">
-                        <a:lnSpc>
-                          <a:spcPct val="100000"/>
-                        </a:lnSpc>
-                        <a:spcBef>
-                          <a:spcPct val="10000"/>
-                        </a:spcBef>
-                        <a:spcAft>
-                          <a:spcPct val="0"/>
-                        </a:spcAft>
-                        <a:buClr>
-                          <a:srgbClr val="CC3300"/>
-                        </a:buClr>
-                        <a:buSzPct val="70000"/>
-                        <a:buFont typeface="Wingdings" panose="05000000000000000000" pitchFamily="2" charset="2"/>
-                        <a:buNone/>
-                      </a:pPr>
-                      <a:r>
-                        <a:rPr kumimoji="0" lang="zh-CN" altLang="en-US" sz="1400" b="0" i="0" u="none" strike="noStrike" kern="1200" cap="none" normalizeH="0" baseline="0" dirty="0" smtClean="0">
-                          <a:ln>
-                            <a:noFill/>
-                          </a:ln>
-                          <a:solidFill>
-                            <a:schemeClr val="tx1"/>
-                          </a:solidFill>
-                          <a:effectLst/>
-                          <a:latin typeface="微软雅黑" panose="020B0503020204020204" pitchFamily="34" charset="-122"/>
-                          <a:ea typeface="微软雅黑" panose="020B0503020204020204" pitchFamily="34" charset="-122"/>
-                          <a:cs typeface="+mn-cs"/>
-                        </a:rPr>
-                        <a:t>后端技术</a:t>
-                      </a:r>
-                      <a:endParaRPr kumimoji="0" lang="zh-CN" altLang="en-US" sz="1400" b="0" i="0" u="none" strike="noStrike" kern="1200" cap="none" normalizeH="0" baseline="0" dirty="0">
                         <a:ln>
                           <a:noFill/>
                         </a:ln>
@@ -11128,17 +10615,6 @@
                         </a:rPr>
                         <a:t>业务的理解</a:t>
                       </a:r>
-                      <a:endParaRPr kumimoji="0" lang="zh-CN" altLang="en-US" sz="1400" b="0" i="0" u="none" strike="noStrike" cap="none" normalizeH="0" baseline="0" dirty="0">
-                        <a:ln>
-                          <a:noFill/>
-                        </a:ln>
-                        <a:solidFill>
-                          <a:schemeClr val="tx1"/>
-                        </a:solidFill>
-                        <a:effectLst/>
-                        <a:latin typeface="微软雅黑" panose="020B0503020204020204" pitchFamily="34" charset="-122"/>
-                        <a:ea typeface="微软雅黑" panose="020B0503020204020204" pitchFamily="34" charset="-122"/>
-                      </a:endParaRPr>
                     </a:p>
                   </a:txBody>
                   <a:tcPr anchor="ctr" horzOverflow="overflow">
@@ -11191,7 +10667,481 @@
                 </a:tc>
                 <a:extLst>
                   <a:ext uri="{0D108BD9-81ED-4DB2-BD59-A6C34878D82A}">
-                    <a16:rowId xmlns:a16="http://schemas.microsoft.com/office/drawing/2014/main" val="10002"/>
+                    <a16:rowId xmlns:a16="http://schemas.microsoft.com/office/drawing/2014/main" val="1837190475"/>
+                  </a:ext>
+                </a:extLst>
+              </a:tr>
+              <a:tr h="2436654">
+                <a:tc>
+                  <a:txBody>
+                    <a:bodyPr/>
+                    <a:lstStyle/>
+                    <a:p>
+                      <a:pPr marL="0" marR="0" lvl="0" indent="0" algn="l" defTabSz="914400" rtl="0" eaLnBrk="0" fontAlgn="ctr" latinLnBrk="0" hangingPunct="0">
+                        <a:lnSpc>
+                          <a:spcPct val="100000"/>
+                        </a:lnSpc>
+                        <a:spcBef>
+                          <a:spcPct val="10000"/>
+                        </a:spcBef>
+                        <a:spcAft>
+                          <a:spcPct val="0"/>
+                        </a:spcAft>
+                        <a:buClr>
+                          <a:srgbClr val="CC3300"/>
+                        </a:buClr>
+                        <a:buSzPct val="70000"/>
+                        <a:buFont typeface="Wingdings" panose="05000000000000000000" pitchFamily="2" charset="2"/>
+                        <a:buNone/>
+                      </a:pPr>
+                      <a:r>
+                        <a:rPr kumimoji="0" lang="zh-CN" altLang="en-US" sz="1400" b="0" i="0" u="none" strike="noStrike" cap="none" normalizeH="0" baseline="0" dirty="0" smtClean="0">
+                          <a:ln>
+                            <a:noFill/>
+                          </a:ln>
+                          <a:solidFill>
+                            <a:srgbClr val="000000"/>
+                          </a:solidFill>
+                          <a:effectLst/>
+                          <a:latin typeface="微软雅黑" panose="020B0503020204020204" pitchFamily="34" charset="-122"/>
+                          <a:ea typeface="微软雅黑" panose="020B0503020204020204" pitchFamily="34" charset="-122"/>
+                        </a:rPr>
+                        <a:t>广日物流</a:t>
+                      </a:r>
+                      <a:endParaRPr kumimoji="0" lang="zh-CN" altLang="en-US" sz="1400" b="0" i="0" u="none" strike="noStrike" cap="none" normalizeH="0" baseline="0" dirty="0">
+                        <a:ln>
+                          <a:noFill/>
+                        </a:ln>
+                        <a:solidFill>
+                          <a:srgbClr val="000000"/>
+                        </a:solidFill>
+                        <a:effectLst/>
+                        <a:latin typeface="微软雅黑" panose="020B0503020204020204" pitchFamily="34" charset="-122"/>
+                        <a:ea typeface="微软雅黑" panose="020B0503020204020204" pitchFamily="34" charset="-122"/>
+                      </a:endParaRPr>
+                    </a:p>
+                  </a:txBody>
+                  <a:tcPr anchor="ctr" horzOverflow="overflow">
+                    <a:lnL w="12700" cap="flat" cmpd="sng" algn="ctr">
+                      <a:solidFill>
+                        <a:schemeClr val="tx1"/>
+                      </a:solidFill>
+                      <a:prstDash val="solid"/>
+                      <a:round/>
+                      <a:headEnd type="none" w="med" len="med"/>
+                      <a:tailEnd type="none" w="med" len="med"/>
+                    </a:lnL>
+                    <a:lnR w="12700" cap="flat" cmpd="sng" algn="ctr">
+                      <a:solidFill>
+                        <a:schemeClr val="tx1"/>
+                      </a:solidFill>
+                      <a:prstDash val="solid"/>
+                      <a:round/>
+                      <a:headEnd type="none" w="med" len="med"/>
+                      <a:tailEnd type="none" w="med" len="med"/>
+                    </a:lnR>
+                    <a:lnT w="12700" cap="flat" cmpd="sng" algn="ctr">
+                      <a:solidFill>
+                        <a:schemeClr val="tx1"/>
+                      </a:solidFill>
+                      <a:prstDash val="solid"/>
+                      <a:round/>
+                      <a:headEnd type="none" w="med" len="med"/>
+                      <a:tailEnd type="none" w="med" len="med"/>
+                    </a:lnT>
+                    <a:lnB w="12700" cap="flat" cmpd="sng" algn="ctr">
+                      <a:solidFill>
+                        <a:schemeClr val="tx1"/>
+                      </a:solidFill>
+                      <a:prstDash val="solid"/>
+                      <a:round/>
+                      <a:headEnd type="none" w="med" len="med"/>
+                      <a:tailEnd type="none" w="med" len="med"/>
+                    </a:lnB>
+                    <a:lnTlToBr>
+                      <a:noFill/>
+                    </a:lnTlToBr>
+                    <a:lnBlToTr>
+                      <a:noFill/>
+                    </a:lnBlToTr>
+                    <a:solidFill>
+                      <a:srgbClr val="FFFFFF"/>
+                    </a:solidFill>
+                  </a:tcPr>
+                </a:tc>
+                <a:tc>
+                  <a:txBody>
+                    <a:bodyPr/>
+                    <a:lstStyle/>
+                    <a:p>
+                      <a:pPr marL="0" marR="0" lvl="0" indent="0" algn="ctr" defTabSz="914400" rtl="0" eaLnBrk="0" fontAlgn="ctr" latinLnBrk="0" hangingPunct="0">
+                        <a:lnSpc>
+                          <a:spcPct val="100000"/>
+                        </a:lnSpc>
+                        <a:spcBef>
+                          <a:spcPct val="10000"/>
+                        </a:spcBef>
+                        <a:spcAft>
+                          <a:spcPct val="0"/>
+                        </a:spcAft>
+                        <a:buClr>
+                          <a:srgbClr val="CC3300"/>
+                        </a:buClr>
+                        <a:buSzPct val="70000"/>
+                        <a:buFont typeface="Wingdings" panose="05000000000000000000" pitchFamily="2" charset="2"/>
+                        <a:buNone/>
+                      </a:pPr>
+                      <a:r>
+                        <a:rPr kumimoji="0" lang="en-US" altLang="zh-CN" sz="1400" b="0" i="0" u="none" strike="noStrike" kern="1200" cap="none" normalizeH="0" baseline="0" dirty="0" smtClean="0">
+                          <a:ln>
+                            <a:noFill/>
+                          </a:ln>
+                          <a:solidFill>
+                            <a:schemeClr val="tx1"/>
+                          </a:solidFill>
+                          <a:effectLst/>
+                          <a:latin typeface="微软雅黑" panose="020B0503020204020204" pitchFamily="34" charset="-122"/>
+                          <a:ea typeface="微软雅黑" panose="020B0503020204020204" pitchFamily="34" charset="-122"/>
+                          <a:cs typeface="+mn-cs"/>
+                        </a:rPr>
+                        <a:t>2020.7-2021.1</a:t>
+                      </a:r>
+                      <a:endParaRPr kumimoji="0" lang="en-US" altLang="zh-CN" sz="1400" b="0" i="0" u="none" strike="noStrike" kern="1200" cap="none" normalizeH="0" baseline="0" dirty="0">
+                        <a:ln>
+                          <a:noFill/>
+                        </a:ln>
+                        <a:solidFill>
+                          <a:schemeClr val="tx1"/>
+                        </a:solidFill>
+                        <a:effectLst/>
+                        <a:latin typeface="微软雅黑" panose="020B0503020204020204" pitchFamily="34" charset="-122"/>
+                        <a:ea typeface="微软雅黑" panose="020B0503020204020204" pitchFamily="34" charset="-122"/>
+                        <a:cs typeface="+mn-cs"/>
+                      </a:endParaRPr>
+                    </a:p>
+                  </a:txBody>
+                  <a:tcPr anchor="ctr" horzOverflow="overflow">
+                    <a:lnL w="12700" cap="flat" cmpd="sng" algn="ctr">
+                      <a:solidFill>
+                        <a:schemeClr val="tx1"/>
+                      </a:solidFill>
+                      <a:prstDash val="solid"/>
+                      <a:round/>
+                      <a:headEnd type="none" w="med" len="med"/>
+                      <a:tailEnd type="none" w="med" len="med"/>
+                    </a:lnL>
+                    <a:lnR w="12700" cap="flat" cmpd="sng" algn="ctr">
+                      <a:solidFill>
+                        <a:schemeClr val="tx1"/>
+                      </a:solidFill>
+                      <a:prstDash val="solid"/>
+                      <a:round/>
+                      <a:headEnd type="none" w="med" len="med"/>
+                      <a:tailEnd type="none" w="med" len="med"/>
+                    </a:lnR>
+                    <a:lnT w="12700" cap="flat" cmpd="sng" algn="ctr">
+                      <a:solidFill>
+                        <a:schemeClr val="tx1"/>
+                      </a:solidFill>
+                      <a:prstDash val="solid"/>
+                      <a:round/>
+                      <a:headEnd type="none" w="med" len="med"/>
+                      <a:tailEnd type="none" w="med" len="med"/>
+                    </a:lnT>
+                    <a:lnB w="12700" cap="flat" cmpd="sng" algn="ctr">
+                      <a:solidFill>
+                        <a:schemeClr val="tx1"/>
+                      </a:solidFill>
+                      <a:prstDash val="solid"/>
+                      <a:round/>
+                      <a:headEnd type="none" w="med" len="med"/>
+                      <a:tailEnd type="none" w="med" len="med"/>
+                    </a:lnB>
+                    <a:lnTlToBr>
+                      <a:noFill/>
+                    </a:lnTlToBr>
+                    <a:lnBlToTr>
+                      <a:noFill/>
+                    </a:lnBlToTr>
+                    <a:solidFill>
+                      <a:srgbClr val="FFFFFF"/>
+                    </a:solidFill>
+                  </a:tcPr>
+                </a:tc>
+                <a:tc>
+                  <a:txBody>
+                    <a:bodyPr/>
+                    <a:lstStyle/>
+                    <a:p>
+                      <a:pPr marL="0" marR="0" lvl="0" indent="0" algn="ctr" defTabSz="914400" rtl="0" eaLnBrk="0" fontAlgn="ctr" latinLnBrk="0" hangingPunct="0">
+                        <a:lnSpc>
+                          <a:spcPct val="100000"/>
+                        </a:lnSpc>
+                        <a:spcBef>
+                          <a:spcPct val="10000"/>
+                        </a:spcBef>
+                        <a:spcAft>
+                          <a:spcPct val="0"/>
+                        </a:spcAft>
+                        <a:buClr>
+                          <a:srgbClr val="CC3300"/>
+                        </a:buClr>
+                        <a:buSzPct val="70000"/>
+                        <a:buFont typeface="Wingdings" panose="05000000000000000000" pitchFamily="2" charset="2"/>
+                        <a:buNone/>
+                      </a:pPr>
+                      <a:r>
+                        <a:rPr kumimoji="0" lang="zh-CN" altLang="en-US" sz="1400" b="0" i="0" u="none" strike="noStrike" kern="1200" cap="none" normalizeH="0" baseline="0" dirty="0" smtClean="0">
+                          <a:ln>
+                            <a:noFill/>
+                          </a:ln>
+                          <a:solidFill>
+                            <a:schemeClr val="tx1"/>
+                          </a:solidFill>
+                          <a:effectLst/>
+                          <a:latin typeface="微软雅黑" panose="020B0503020204020204" pitchFamily="34" charset="-122"/>
+                          <a:ea typeface="微软雅黑" panose="020B0503020204020204" pitchFamily="34" charset="-122"/>
+                          <a:cs typeface="+mn-cs"/>
+                        </a:rPr>
+                        <a:t>后端技术</a:t>
+                      </a:r>
+                      <a:endParaRPr kumimoji="0" lang="en-US" altLang="zh-CN" sz="1400" b="0" i="0" u="none" strike="noStrike" kern="1200" cap="none" normalizeH="0" baseline="0" dirty="0">
+                        <a:ln>
+                          <a:noFill/>
+                        </a:ln>
+                        <a:solidFill>
+                          <a:schemeClr val="tx1"/>
+                        </a:solidFill>
+                        <a:effectLst/>
+                        <a:latin typeface="微软雅黑" panose="020B0503020204020204" pitchFamily="34" charset="-122"/>
+                        <a:ea typeface="微软雅黑" panose="020B0503020204020204" pitchFamily="34" charset="-122"/>
+                        <a:cs typeface="+mn-cs"/>
+                      </a:endParaRPr>
+                    </a:p>
+                  </a:txBody>
+                  <a:tcPr anchor="ctr" horzOverflow="overflow">
+                    <a:lnL w="12700" cap="flat" cmpd="sng" algn="ctr">
+                      <a:solidFill>
+                        <a:schemeClr val="tx1"/>
+                      </a:solidFill>
+                      <a:prstDash val="solid"/>
+                      <a:round/>
+                      <a:headEnd type="none" w="med" len="med"/>
+                      <a:tailEnd type="none" w="med" len="med"/>
+                    </a:lnL>
+                    <a:lnR w="12700" cap="flat" cmpd="sng" algn="ctr">
+                      <a:solidFill>
+                        <a:schemeClr val="tx1"/>
+                      </a:solidFill>
+                      <a:prstDash val="solid"/>
+                      <a:round/>
+                      <a:headEnd type="none" w="med" len="med"/>
+                      <a:tailEnd type="none" w="med" len="med"/>
+                    </a:lnR>
+                    <a:lnT w="12700" cap="flat" cmpd="sng" algn="ctr">
+                      <a:solidFill>
+                        <a:schemeClr val="tx1"/>
+                      </a:solidFill>
+                      <a:prstDash val="solid"/>
+                      <a:round/>
+                      <a:headEnd type="none" w="med" len="med"/>
+                      <a:tailEnd type="none" w="med" len="med"/>
+                    </a:lnT>
+                    <a:lnB w="12700" cap="flat" cmpd="sng" algn="ctr">
+                      <a:solidFill>
+                        <a:schemeClr val="tx1"/>
+                      </a:solidFill>
+                      <a:prstDash val="solid"/>
+                      <a:round/>
+                      <a:headEnd type="none" w="med" len="med"/>
+                      <a:tailEnd type="none" w="med" len="med"/>
+                    </a:lnB>
+                    <a:lnTlToBr>
+                      <a:noFill/>
+                    </a:lnTlToBr>
+                    <a:lnBlToTr>
+                      <a:noFill/>
+                    </a:lnBlToTr>
+                    <a:solidFill>
+                      <a:srgbClr val="FFFFFF"/>
+                    </a:solidFill>
+                  </a:tcPr>
+                </a:tc>
+                <a:tc>
+                  <a:txBody>
+                    <a:bodyPr/>
+                    <a:lstStyle/>
+                    <a:p>
+                      <a:pPr marL="0" marR="0" lvl="0" indent="0" algn="l" defTabSz="914400" rtl="0" eaLnBrk="0" fontAlgn="ctr" latinLnBrk="0" hangingPunct="0">
+                        <a:lnSpc>
+                          <a:spcPct val="100000"/>
+                        </a:lnSpc>
+                        <a:spcBef>
+                          <a:spcPct val="10000"/>
+                        </a:spcBef>
+                        <a:spcAft>
+                          <a:spcPct val="0"/>
+                        </a:spcAft>
+                        <a:buClr>
+                          <a:schemeClr val="tx1"/>
+                        </a:buClr>
+                        <a:buSzPct val="70000"/>
+                        <a:buFont typeface="Wingdings" panose="05000000000000000000" pitchFamily="2" charset="2"/>
+                        <a:buNone/>
+                      </a:pPr>
+                      <a:r>
+                        <a:rPr kumimoji="0" lang="en-US" altLang="zh-CN" sz="1400" b="0" i="0" u="none" strike="noStrike" cap="none" normalizeH="0" baseline="0" dirty="0" smtClean="0">
+                          <a:ln>
+                            <a:noFill/>
+                          </a:ln>
+                          <a:solidFill>
+                            <a:schemeClr val="tx1"/>
+                          </a:solidFill>
+                          <a:effectLst/>
+                          <a:latin typeface="微软雅黑" panose="020B0503020204020204" pitchFamily="34" charset="-122"/>
+                          <a:ea typeface="微软雅黑" panose="020B0503020204020204" pitchFamily="34" charset="-122"/>
+                        </a:rPr>
+                        <a:t>7</a:t>
+                      </a:r>
+                      <a:r>
+                        <a:rPr kumimoji="0" lang="zh-CN" altLang="en-US" sz="1400" b="0" i="0" u="none" strike="noStrike" cap="none" normalizeH="0" baseline="0" dirty="0" smtClean="0">
+                          <a:ln>
+                            <a:noFill/>
+                          </a:ln>
+                          <a:solidFill>
+                            <a:schemeClr val="tx1"/>
+                          </a:solidFill>
+                          <a:effectLst/>
+                          <a:latin typeface="微软雅黑" panose="020B0503020204020204" pitchFamily="34" charset="-122"/>
+                          <a:ea typeface="微软雅黑" panose="020B0503020204020204" pitchFamily="34" charset="-122"/>
+                        </a:rPr>
+                        <a:t>月份回到广日项目，开发了广日二期仓库接口、工单完工接口、材料出库接口等全部接口和物料匹配、需求订单生成等新业务功能，平时还负责广日的运维和服务器管理工作</a:t>
+                      </a:r>
+                      <a:endParaRPr kumimoji="0" lang="en-US" altLang="zh-CN" sz="1400" b="0" i="0" u="none" strike="noStrike" cap="none" normalizeH="0" baseline="0" dirty="0" smtClean="0">
+                        <a:ln>
+                          <a:noFill/>
+                        </a:ln>
+                        <a:solidFill>
+                          <a:schemeClr val="tx1"/>
+                        </a:solidFill>
+                        <a:effectLst/>
+                        <a:latin typeface="微软雅黑" panose="020B0503020204020204" pitchFamily="34" charset="-122"/>
+                        <a:ea typeface="微软雅黑" panose="020B0503020204020204" pitchFamily="34" charset="-122"/>
+                      </a:endParaRPr>
+                    </a:p>
+                    <a:p>
+                      <a:pPr marL="0" marR="0" lvl="0" indent="0" algn="l" defTabSz="914400" rtl="0" eaLnBrk="0" fontAlgn="ctr" latinLnBrk="0" hangingPunct="0">
+                        <a:lnSpc>
+                          <a:spcPct val="100000"/>
+                        </a:lnSpc>
+                        <a:spcBef>
+                          <a:spcPct val="10000"/>
+                        </a:spcBef>
+                        <a:spcAft>
+                          <a:spcPct val="0"/>
+                        </a:spcAft>
+                        <a:buClr>
+                          <a:schemeClr val="tx1"/>
+                        </a:buClr>
+                        <a:buSzPct val="70000"/>
+                        <a:buFont typeface="Wingdings" panose="05000000000000000000" pitchFamily="2" charset="2"/>
+                        <a:buNone/>
+                      </a:pPr>
+                      <a:r>
+                        <a:rPr kumimoji="0" lang="zh-CN" altLang="en-US" sz="1400" b="0" i="0" u="none" strike="noStrike" cap="none" normalizeH="0" baseline="0" dirty="0" smtClean="0">
+                          <a:ln>
+                            <a:noFill/>
+                          </a:ln>
+                          <a:solidFill>
+                            <a:schemeClr val="tx1"/>
+                          </a:solidFill>
+                          <a:effectLst/>
+                          <a:latin typeface="微软雅黑" panose="020B0503020204020204" pitchFamily="34" charset="-122"/>
+                          <a:ea typeface="微软雅黑" panose="020B0503020204020204" pitchFamily="34" charset="-122"/>
+                        </a:rPr>
+                        <a:t>提高了对</a:t>
+                      </a:r>
+                      <a:r>
+                        <a:rPr kumimoji="0" lang="en-US" altLang="zh-CN" sz="1400" b="0" i="0" u="none" strike="noStrike" cap="none" normalizeH="0" baseline="0" dirty="0" smtClean="0">
+                          <a:ln>
+                            <a:noFill/>
+                          </a:ln>
+                          <a:solidFill>
+                            <a:schemeClr val="tx1"/>
+                          </a:solidFill>
+                          <a:effectLst/>
+                          <a:latin typeface="微软雅黑" panose="020B0503020204020204" pitchFamily="34" charset="-122"/>
+                          <a:ea typeface="微软雅黑" panose="020B0503020204020204" pitchFamily="34" charset="-122"/>
+                        </a:rPr>
+                        <a:t>LINUX</a:t>
+                      </a:r>
+                      <a:r>
+                        <a:rPr kumimoji="0" lang="zh-CN" altLang="en-US" sz="1400" b="0" i="0" u="none" strike="noStrike" cap="none" normalizeH="0" baseline="0" dirty="0" smtClean="0">
+                          <a:ln>
+                            <a:noFill/>
+                          </a:ln>
+                          <a:solidFill>
+                            <a:schemeClr val="tx1"/>
+                          </a:solidFill>
+                          <a:effectLst/>
+                          <a:latin typeface="微软雅黑" panose="020B0503020204020204" pitchFamily="34" charset="-122"/>
+                          <a:ea typeface="微软雅黑" panose="020B0503020204020204" pitchFamily="34" charset="-122"/>
+                        </a:rPr>
+                        <a:t>的掌握，加深了对项目运维的理解，提高技术设计和实现能力，可以设计和开发更复杂的功能</a:t>
+                      </a:r>
+                    </a:p>
+                  </a:txBody>
+                  <a:tcPr anchor="ctr" horzOverflow="overflow">
+                    <a:lnL w="12700" cap="flat" cmpd="sng" algn="ctr">
+                      <a:solidFill>
+                        <a:schemeClr val="tx1"/>
+                      </a:solidFill>
+                      <a:prstDash val="solid"/>
+                      <a:round/>
+                      <a:headEnd type="none" w="med" len="med"/>
+                      <a:tailEnd type="none" w="med" len="med"/>
+                    </a:lnL>
+                    <a:lnR w="12700" cap="flat" cmpd="sng" algn="ctr">
+                      <a:solidFill>
+                        <a:schemeClr val="tx1"/>
+                      </a:solidFill>
+                      <a:prstDash val="solid"/>
+                      <a:round/>
+                      <a:headEnd type="none" w="med" len="med"/>
+                      <a:tailEnd type="none" w="med" len="med"/>
+                    </a:lnR>
+                    <a:lnT w="12700" cap="flat" cmpd="sng" algn="ctr">
+                      <a:solidFill>
+                        <a:schemeClr val="tx1"/>
+                      </a:solidFill>
+                      <a:prstDash val="solid"/>
+                      <a:round/>
+                      <a:headEnd type="none" w="med" len="med"/>
+                      <a:tailEnd type="none" w="med" len="med"/>
+                    </a:lnT>
+                    <a:lnB w="12700" cap="flat" cmpd="sng" algn="ctr">
+                      <a:solidFill>
+                        <a:schemeClr val="tx1"/>
+                      </a:solidFill>
+                      <a:prstDash val="solid"/>
+                      <a:round/>
+                      <a:headEnd type="none" w="med" len="med"/>
+                      <a:tailEnd type="none" w="med" len="med"/>
+                    </a:lnB>
+                    <a:lnTlToBr>
+                      <a:noFill/>
+                    </a:lnTlToBr>
+                    <a:lnBlToTr>
+                      <a:noFill/>
+                    </a:lnBlToTr>
+                    <a:solidFill>
+                      <a:srgbClr val="FFFFFF"/>
+                    </a:solidFill>
+                  </a:tcPr>
+                </a:tc>
+                <a:extLst>
+                  <a:ext uri="{0D108BD9-81ED-4DB2-BD59-A6C34878D82A}">
+                    <a16:rowId xmlns:a16="http://schemas.microsoft.com/office/drawing/2014/main" val="10001"/>
                   </a:ext>
                 </a:extLst>
               </a:tr>
@@ -11233,7 +11183,7 @@
       </p:grpSpPr>
       <p:sp>
         <p:nvSpPr>
-          <p:cNvPr id="3" name="标题 2"/>
+          <p:cNvPr id="2" name="标题 1"/>
           <p:cNvSpPr>
             <a:spLocks noGrp="1"/>
           </p:cNvSpPr>
@@ -11247,19 +11197,15 @@
           <a:lstStyle/>
           <a:p>
             <a:r>
-              <a:rPr lang="zh-CN" altLang="en-US" dirty="0">
-                <a:latin typeface="+mj-ea"/>
-                <a:sym typeface="+mn-ea"/>
-              </a:rPr>
-              <a:t>技术开发能力展示</a:t>
+              <a:rPr lang="zh-CN" altLang="en-US" dirty="0"/>
+              <a:t>项目介绍</a:t>
             </a:r>
-            <a:endParaRPr lang="zh-CN" altLang="en-US" dirty="0"/>
           </a:p>
         </p:txBody>
       </p:sp>
       <p:sp>
         <p:nvSpPr>
-          <p:cNvPr id="2" name="灯片编号占位符 1"/>
+          <p:cNvPr id="3" name="灯片编号占位符 2"/>
           <p:cNvSpPr>
             <a:spLocks noGrp="1"/>
           </p:cNvSpPr>
@@ -11273,10 +11219,10 @@
           <a:lstStyle/>
           <a:p>
             <a:fld id="{05F0C165-3BCD-4C48-9616-1968E70BFB8E}" type="slidenum">
-              <a:rPr lang="zh-CN" altLang="en-US" smtClean="0"/>
+              <a:rPr lang="zh-CN" altLang="en-US" sz="1405" smtClean="0"/>
               <a:t>5</a:t>
             </a:fld>
-            <a:endParaRPr lang="zh-CN" altLang="en-US"/>
+            <a:endParaRPr lang="zh-CN" altLang="en-US" sz="1405" dirty="0"/>
           </a:p>
         </p:txBody>
       </p:sp>
@@ -11288,8 +11234,8 @@
         </p:nvSpPr>
         <p:spPr>
           <a:xfrm>
-            <a:off x="330762" y="1083622"/>
-            <a:ext cx="2954655" cy="369332"/>
+            <a:off x="242570" y="883920"/>
+            <a:ext cx="11610340" cy="368300"/>
           </a:xfrm>
           <a:prstGeom prst="rect">
             <a:avLst/>
@@ -11297,55 +11243,1637 @@
           <a:noFill/>
         </p:spPr>
         <p:txBody>
-          <a:bodyPr wrap="none" rtlCol="0">
+          <a:bodyPr wrap="square" rtlCol="0">
             <a:spAutoFit/>
           </a:bodyPr>
           <a:lstStyle/>
           <a:p>
-            <a:r>
-              <a:rPr lang="zh-CN" altLang="en-US" dirty="0" smtClean="0"/>
-              <a:t>华远项目设备点检项目导入</a:t>
-            </a:r>
-            <a:endParaRPr lang="zh-CN" altLang="en-US" dirty="0"/>
+            <a:endParaRPr lang="zh-CN" altLang="en-US"/>
           </a:p>
         </p:txBody>
       </p:sp>
-      <p:pic>
-        <p:nvPicPr>
-          <p:cNvPr id="6" name="图片 5"/>
-          <p:cNvPicPr>
-            <a:picLocks noChangeAspect="1"/>
-          </p:cNvPicPr>
-          <p:nvPr/>
-        </p:nvPicPr>
-        <p:blipFill>
-          <a:blip r:embed="rId2">
-            <a:extLst>
-              <a:ext uri="{28A0092B-C50C-407E-A947-70E740481C1C}">
-                <a14:useLocalDpi xmlns:a14="http://schemas.microsoft.com/office/drawing/2010/main" val="0"/>
-              </a:ext>
-            </a:extLst>
-          </a:blip>
-          <a:stretch>
-            <a:fillRect/>
-          </a:stretch>
-        </p:blipFill>
-        <p:spPr>
-          <a:xfrm>
-            <a:off x="395238" y="1611104"/>
-            <a:ext cx="7200900" cy="4543425"/>
-          </a:xfrm>
-          <a:prstGeom prst="rect">
-            <a:avLst/>
-          </a:prstGeom>
-          <a:ln>
-            <a:solidFill>
-              <a:schemeClr val="tx1"/>
-            </a:solidFill>
-          </a:ln>
-        </p:spPr>
-      </p:pic>
+      <p:graphicFrame>
+        <p:nvGraphicFramePr>
+          <p:cNvPr id="5" name="表格 4"/>
+          <p:cNvGraphicFramePr>
+            <a:graphicFrameLocks noGrp="1"/>
+          </p:cNvGraphicFramePr>
+          <p:nvPr>
+            <p:custDataLst>
+              <p:tags r:id="rId1"/>
+            </p:custDataLst>
+            <p:extLst>
+              <p:ext uri="{D42A27DB-BD31-4B8C-83A1-F6EECF244321}">
+                <p14:modId xmlns:p14="http://schemas.microsoft.com/office/powerpoint/2010/main" val="282958779"/>
+              </p:ext>
+            </p:extLst>
+          </p:nvPr>
+        </p:nvGraphicFramePr>
+        <p:xfrm>
+          <a:off x="268888" y="974725"/>
+          <a:ext cx="11303635" cy="5451623"/>
+        </p:xfrm>
+        <a:graphic>
+          <a:graphicData uri="http://schemas.openxmlformats.org/drawingml/2006/table">
+            <a:tbl>
+              <a:tblPr/>
+              <a:tblGrid>
+                <a:gridCol w="1854542">
+                  <a:extLst>
+                    <a:ext uri="{9D8B030D-6E8A-4147-A177-3AD203B41FA5}">
+                      <a16:colId xmlns:a16="http://schemas.microsoft.com/office/drawing/2014/main" val="20000"/>
+                    </a:ext>
+                  </a:extLst>
+                </a:gridCol>
+                <a:gridCol w="1385228">
+                  <a:extLst>
+                    <a:ext uri="{9D8B030D-6E8A-4147-A177-3AD203B41FA5}">
+                      <a16:colId xmlns:a16="http://schemas.microsoft.com/office/drawing/2014/main" val="20001"/>
+                    </a:ext>
+                  </a:extLst>
+                </a:gridCol>
+                <a:gridCol w="1207060">
+                  <a:extLst>
+                    <a:ext uri="{9D8B030D-6E8A-4147-A177-3AD203B41FA5}">
+                      <a16:colId xmlns:a16="http://schemas.microsoft.com/office/drawing/2014/main" val="20002"/>
+                    </a:ext>
+                  </a:extLst>
+                </a:gridCol>
+                <a:gridCol w="6856805">
+                  <a:extLst>
+                    <a:ext uri="{9D8B030D-6E8A-4147-A177-3AD203B41FA5}">
+                      <a16:colId xmlns:a16="http://schemas.microsoft.com/office/drawing/2014/main" val="20003"/>
+                    </a:ext>
+                  </a:extLst>
+                </a:gridCol>
+              </a:tblGrid>
+              <a:tr h="544149">
+                <a:tc>
+                  <a:txBody>
+                    <a:bodyPr/>
+                    <a:lstStyle/>
+                    <a:p>
+                      <a:pPr marL="0" marR="0" lvl="0" indent="0" algn="ctr" defTabSz="914400" rtl="0" eaLnBrk="0" fontAlgn="ctr" latinLnBrk="0" hangingPunct="0">
+                        <a:lnSpc>
+                          <a:spcPct val="100000"/>
+                        </a:lnSpc>
+                        <a:spcBef>
+                          <a:spcPct val="10000"/>
+                        </a:spcBef>
+                        <a:spcAft>
+                          <a:spcPct val="0"/>
+                        </a:spcAft>
+                        <a:buClr>
+                          <a:srgbClr val="CC3300"/>
+                        </a:buClr>
+                        <a:buSzPct val="70000"/>
+                        <a:buFont typeface="Wingdings" panose="05000000000000000000" pitchFamily="2" charset="2"/>
+                        <a:buNone/>
+                      </a:pPr>
+                      <a:r>
+                        <a:rPr kumimoji="0" lang="zh-CN" altLang="en-US" sz="1800" b="1" i="0" u="none" strike="noStrike" kern="1200" cap="none" normalizeH="0" baseline="0" dirty="0">
+                          <a:ln>
+                            <a:noFill/>
+                          </a:ln>
+                          <a:solidFill>
+                            <a:schemeClr val="bg1"/>
+                          </a:solidFill>
+                          <a:effectLst/>
+                          <a:latin typeface="微软雅黑" panose="020B0503020204020204" pitchFamily="34" charset="-122"/>
+                          <a:ea typeface="微软雅黑" panose="020B0503020204020204" pitchFamily="34" charset="-122"/>
+                          <a:cs typeface="+mn-cs"/>
+                        </a:rPr>
+                        <a:t>项目名称</a:t>
+                      </a:r>
+                    </a:p>
+                  </a:txBody>
+                  <a:tcPr anchor="ctr" anchorCtr="1" horzOverflow="overflow">
+                    <a:lnL w="12700" cap="flat" cmpd="sng" algn="ctr">
+                      <a:solidFill>
+                        <a:schemeClr val="tx1"/>
+                      </a:solidFill>
+                      <a:prstDash val="solid"/>
+                      <a:round/>
+                      <a:headEnd type="none" w="med" len="med"/>
+                      <a:tailEnd type="none" w="med" len="med"/>
+                    </a:lnL>
+                    <a:lnR w="12700" cap="flat" cmpd="sng" algn="ctr">
+                      <a:solidFill>
+                        <a:schemeClr val="tx1"/>
+                      </a:solidFill>
+                      <a:prstDash val="solid"/>
+                      <a:round/>
+                      <a:headEnd type="none" w="med" len="med"/>
+                      <a:tailEnd type="none" w="med" len="med"/>
+                    </a:lnR>
+                    <a:lnT w="12700" cap="flat" cmpd="sng" algn="ctr">
+                      <a:solidFill>
+                        <a:schemeClr val="tx1"/>
+                      </a:solidFill>
+                      <a:prstDash val="solid"/>
+                      <a:round/>
+                      <a:headEnd type="none" w="med" len="med"/>
+                      <a:tailEnd type="none" w="med" len="med"/>
+                    </a:lnT>
+                    <a:lnB w="12700" cap="flat" cmpd="sng" algn="ctr">
+                      <a:solidFill>
+                        <a:schemeClr val="tx1"/>
+                      </a:solidFill>
+                      <a:prstDash val="solid"/>
+                      <a:round/>
+                      <a:headEnd type="none" w="med" len="med"/>
+                      <a:tailEnd type="none" w="med" len="med"/>
+                    </a:lnB>
+                    <a:lnTlToBr>
+                      <a:noFill/>
+                    </a:lnTlToBr>
+                    <a:lnBlToTr>
+                      <a:noFill/>
+                    </a:lnBlToTr>
+                    <a:solidFill>
+                      <a:srgbClr val="00B0F0"/>
+                    </a:solidFill>
+                  </a:tcPr>
+                </a:tc>
+                <a:tc>
+                  <a:txBody>
+                    <a:bodyPr/>
+                    <a:lstStyle/>
+                    <a:p>
+                      <a:pPr marL="0" marR="0" lvl="0" indent="0" algn="ctr" defTabSz="914400" rtl="0" eaLnBrk="0" fontAlgn="ctr" latinLnBrk="0" hangingPunct="0">
+                        <a:lnSpc>
+                          <a:spcPct val="100000"/>
+                        </a:lnSpc>
+                        <a:spcBef>
+                          <a:spcPct val="10000"/>
+                        </a:spcBef>
+                        <a:spcAft>
+                          <a:spcPct val="0"/>
+                        </a:spcAft>
+                        <a:buClr>
+                          <a:srgbClr val="CC3300"/>
+                        </a:buClr>
+                        <a:buSzPct val="70000"/>
+                        <a:buFont typeface="Wingdings" panose="05000000000000000000" pitchFamily="2" charset="2"/>
+                        <a:buNone/>
+                      </a:pPr>
+                      <a:r>
+                        <a:rPr kumimoji="0" lang="zh-CN" altLang="en-US" sz="1800" b="1" i="0" u="none" strike="noStrike" kern="1200" cap="none" normalizeH="0" baseline="0" dirty="0">
+                          <a:ln>
+                            <a:noFill/>
+                          </a:ln>
+                          <a:solidFill>
+                            <a:schemeClr val="bg1"/>
+                          </a:solidFill>
+                          <a:effectLst/>
+                          <a:latin typeface="微软雅黑" panose="020B0503020204020204" pitchFamily="34" charset="-122"/>
+                          <a:ea typeface="微软雅黑" panose="020B0503020204020204" pitchFamily="34" charset="-122"/>
+                          <a:cs typeface="+mn-cs"/>
+                        </a:rPr>
+                        <a:t>时间</a:t>
+                      </a:r>
+                    </a:p>
+                  </a:txBody>
+                  <a:tcPr anchor="ctr" anchorCtr="1" horzOverflow="overflow">
+                    <a:lnL w="12700" cap="flat" cmpd="sng" algn="ctr">
+                      <a:solidFill>
+                        <a:schemeClr val="tx1"/>
+                      </a:solidFill>
+                      <a:prstDash val="solid"/>
+                      <a:round/>
+                      <a:headEnd type="none" w="med" len="med"/>
+                      <a:tailEnd type="none" w="med" len="med"/>
+                    </a:lnL>
+                    <a:lnR w="12700" cap="flat" cmpd="sng" algn="ctr">
+                      <a:solidFill>
+                        <a:schemeClr val="tx1"/>
+                      </a:solidFill>
+                      <a:prstDash val="solid"/>
+                      <a:round/>
+                      <a:headEnd type="none" w="med" len="med"/>
+                      <a:tailEnd type="none" w="med" len="med"/>
+                    </a:lnR>
+                    <a:lnT w="12700" cap="flat" cmpd="sng" algn="ctr">
+                      <a:solidFill>
+                        <a:schemeClr val="tx1"/>
+                      </a:solidFill>
+                      <a:prstDash val="solid"/>
+                      <a:round/>
+                      <a:headEnd type="none" w="med" len="med"/>
+                      <a:tailEnd type="none" w="med" len="med"/>
+                    </a:lnT>
+                    <a:lnB w="12700" cap="flat" cmpd="sng" algn="ctr">
+                      <a:solidFill>
+                        <a:schemeClr val="tx1"/>
+                      </a:solidFill>
+                      <a:prstDash val="solid"/>
+                      <a:round/>
+                      <a:headEnd type="none" w="med" len="med"/>
+                      <a:tailEnd type="none" w="med" len="med"/>
+                    </a:lnB>
+                    <a:lnTlToBr>
+                      <a:noFill/>
+                    </a:lnTlToBr>
+                    <a:lnBlToTr>
+                      <a:noFill/>
+                    </a:lnBlToTr>
+                    <a:solidFill>
+                      <a:srgbClr val="00B0F0"/>
+                    </a:solidFill>
+                  </a:tcPr>
+                </a:tc>
+                <a:tc>
+                  <a:txBody>
+                    <a:bodyPr/>
+                    <a:lstStyle/>
+                    <a:p>
+                      <a:pPr marL="0" marR="0" lvl="0" indent="0" algn="ctr" defTabSz="914400" rtl="0" eaLnBrk="0" fontAlgn="ctr" latinLnBrk="0" hangingPunct="0">
+                        <a:lnSpc>
+                          <a:spcPct val="100000"/>
+                        </a:lnSpc>
+                        <a:spcBef>
+                          <a:spcPct val="10000"/>
+                        </a:spcBef>
+                        <a:spcAft>
+                          <a:spcPct val="0"/>
+                        </a:spcAft>
+                        <a:buClr>
+                          <a:srgbClr val="CC3300"/>
+                        </a:buClr>
+                        <a:buSzPct val="70000"/>
+                        <a:buFont typeface="Wingdings" panose="05000000000000000000" pitchFamily="2" charset="2"/>
+                        <a:buNone/>
+                      </a:pPr>
+                      <a:r>
+                        <a:rPr kumimoji="0" lang="zh-CN" altLang="en-US" sz="1800" b="1" i="0" u="none" strike="noStrike" kern="1200" cap="none" normalizeH="0" baseline="0" dirty="0">
+                          <a:ln>
+                            <a:noFill/>
+                          </a:ln>
+                          <a:solidFill>
+                            <a:schemeClr val="bg1"/>
+                          </a:solidFill>
+                          <a:effectLst/>
+                          <a:latin typeface="微软雅黑" panose="020B0503020204020204" pitchFamily="34" charset="-122"/>
+                          <a:ea typeface="微软雅黑" panose="020B0503020204020204" pitchFamily="34" charset="-122"/>
+                          <a:cs typeface="+mn-cs"/>
+                        </a:rPr>
+                        <a:t>角色</a:t>
+                      </a:r>
+                    </a:p>
+                  </a:txBody>
+                  <a:tcPr anchor="ctr" anchorCtr="1" horzOverflow="overflow">
+                    <a:lnL w="12700" cap="flat" cmpd="sng" algn="ctr">
+                      <a:solidFill>
+                        <a:schemeClr val="tx1"/>
+                      </a:solidFill>
+                      <a:prstDash val="solid"/>
+                      <a:round/>
+                      <a:headEnd type="none" w="med" len="med"/>
+                      <a:tailEnd type="none" w="med" len="med"/>
+                    </a:lnL>
+                    <a:lnR w="12700" cap="flat" cmpd="sng" algn="ctr">
+                      <a:solidFill>
+                        <a:schemeClr val="tx1"/>
+                      </a:solidFill>
+                      <a:prstDash val="solid"/>
+                      <a:round/>
+                      <a:headEnd type="none" w="med" len="med"/>
+                      <a:tailEnd type="none" w="med" len="med"/>
+                    </a:lnR>
+                    <a:lnT w="12700" cap="flat" cmpd="sng" algn="ctr">
+                      <a:solidFill>
+                        <a:schemeClr val="tx1"/>
+                      </a:solidFill>
+                      <a:prstDash val="solid"/>
+                      <a:round/>
+                      <a:headEnd type="none" w="med" len="med"/>
+                      <a:tailEnd type="none" w="med" len="med"/>
+                    </a:lnT>
+                    <a:lnB w="12700" cap="flat" cmpd="sng" algn="ctr">
+                      <a:solidFill>
+                        <a:schemeClr val="tx1"/>
+                      </a:solidFill>
+                      <a:prstDash val="solid"/>
+                      <a:round/>
+                      <a:headEnd type="none" w="med" len="med"/>
+                      <a:tailEnd type="none" w="med" len="med"/>
+                    </a:lnB>
+                    <a:lnTlToBr>
+                      <a:noFill/>
+                    </a:lnTlToBr>
+                    <a:lnBlToTr>
+                      <a:noFill/>
+                    </a:lnBlToTr>
+                    <a:solidFill>
+                      <a:srgbClr val="00B0F0"/>
+                    </a:solidFill>
+                  </a:tcPr>
+                </a:tc>
+                <a:tc>
+                  <a:txBody>
+                    <a:bodyPr/>
+                    <a:lstStyle/>
+                    <a:p>
+                      <a:pPr marL="0" marR="0" lvl="0" indent="0" algn="ctr" defTabSz="914400" rtl="0" eaLnBrk="0" fontAlgn="ctr" latinLnBrk="0" hangingPunct="0">
+                        <a:lnSpc>
+                          <a:spcPct val="100000"/>
+                        </a:lnSpc>
+                        <a:spcBef>
+                          <a:spcPct val="10000"/>
+                        </a:spcBef>
+                        <a:spcAft>
+                          <a:spcPct val="0"/>
+                        </a:spcAft>
+                        <a:buClr>
+                          <a:srgbClr val="CC3300"/>
+                        </a:buClr>
+                        <a:buSzPct val="70000"/>
+                        <a:buFont typeface="Wingdings" panose="05000000000000000000" pitchFamily="2" charset="2"/>
+                        <a:buNone/>
+                      </a:pPr>
+                      <a:r>
+                        <a:rPr kumimoji="0" lang="zh-CN" altLang="en-US" sz="1800" b="1" i="0" u="none" strike="noStrike" kern="1200" cap="none" normalizeH="0" baseline="0" dirty="0">
+                          <a:ln>
+                            <a:noFill/>
+                          </a:ln>
+                          <a:solidFill>
+                            <a:schemeClr val="bg1"/>
+                          </a:solidFill>
+                          <a:effectLst/>
+                          <a:latin typeface="微软雅黑" panose="020B0503020204020204" pitchFamily="34" charset="-122"/>
+                          <a:ea typeface="微软雅黑" panose="020B0503020204020204" pitchFamily="34" charset="-122"/>
+                          <a:cs typeface="+mn-cs"/>
+                        </a:rPr>
+                        <a:t>贡献</a:t>
+                      </a:r>
+                      <a:r>
+                        <a:rPr kumimoji="0" lang="en-US" altLang="zh-CN" sz="1800" b="1" i="0" u="none" strike="noStrike" kern="1200" cap="none" normalizeH="0" baseline="0" dirty="0">
+                          <a:ln>
+                            <a:noFill/>
+                          </a:ln>
+                          <a:solidFill>
+                            <a:schemeClr val="bg1"/>
+                          </a:solidFill>
+                          <a:effectLst/>
+                          <a:latin typeface="微软雅黑" panose="020B0503020204020204" pitchFamily="34" charset="-122"/>
+                          <a:ea typeface="微软雅黑" panose="020B0503020204020204" pitchFamily="34" charset="-122"/>
+                          <a:cs typeface="+mn-cs"/>
+                        </a:rPr>
+                        <a:t>&amp;</a:t>
+                      </a:r>
+                      <a:r>
+                        <a:rPr kumimoji="0" lang="zh-CN" altLang="en-US" sz="1800" b="1" i="0" u="none" strike="noStrike" kern="1200" cap="none" normalizeH="0" baseline="0" dirty="0">
+                          <a:ln>
+                            <a:noFill/>
+                          </a:ln>
+                          <a:solidFill>
+                            <a:schemeClr val="bg1"/>
+                          </a:solidFill>
+                          <a:effectLst/>
+                          <a:latin typeface="微软雅黑" panose="020B0503020204020204" pitchFamily="34" charset="-122"/>
+                          <a:ea typeface="微软雅黑" panose="020B0503020204020204" pitchFamily="34" charset="-122"/>
+                          <a:cs typeface="+mn-cs"/>
+                        </a:rPr>
+                        <a:t>收获</a:t>
+                      </a:r>
+                    </a:p>
+                  </a:txBody>
+                  <a:tcPr anchor="ctr" anchorCtr="1" horzOverflow="overflow">
+                    <a:lnL w="12700" cap="flat" cmpd="sng" algn="ctr">
+                      <a:solidFill>
+                        <a:schemeClr val="tx1"/>
+                      </a:solidFill>
+                      <a:prstDash val="solid"/>
+                      <a:round/>
+                      <a:headEnd type="none" w="med" len="med"/>
+                      <a:tailEnd type="none" w="med" len="med"/>
+                    </a:lnL>
+                    <a:lnR w="12700" cap="flat" cmpd="sng" algn="ctr">
+                      <a:solidFill>
+                        <a:schemeClr val="tx1"/>
+                      </a:solidFill>
+                      <a:prstDash val="solid"/>
+                      <a:round/>
+                      <a:headEnd type="none" w="med" len="med"/>
+                      <a:tailEnd type="none" w="med" len="med"/>
+                    </a:lnR>
+                    <a:lnT w="12700" cap="flat" cmpd="sng" algn="ctr">
+                      <a:solidFill>
+                        <a:schemeClr val="tx1"/>
+                      </a:solidFill>
+                      <a:prstDash val="solid"/>
+                      <a:round/>
+                      <a:headEnd type="none" w="med" len="med"/>
+                      <a:tailEnd type="none" w="med" len="med"/>
+                    </a:lnT>
+                    <a:lnB w="12700" cap="flat" cmpd="sng" algn="ctr">
+                      <a:solidFill>
+                        <a:schemeClr val="tx1"/>
+                      </a:solidFill>
+                      <a:prstDash val="solid"/>
+                      <a:round/>
+                      <a:headEnd type="none" w="med" len="med"/>
+                      <a:tailEnd type="none" w="med" len="med"/>
+                    </a:lnB>
+                    <a:lnTlToBr>
+                      <a:noFill/>
+                    </a:lnTlToBr>
+                    <a:lnBlToTr>
+                      <a:noFill/>
+                    </a:lnBlToTr>
+                    <a:solidFill>
+                      <a:srgbClr val="00B0F0"/>
+                    </a:solidFill>
+                  </a:tcPr>
+                </a:tc>
+                <a:extLst>
+                  <a:ext uri="{0D108BD9-81ED-4DB2-BD59-A6C34878D82A}">
+                    <a16:rowId xmlns:a16="http://schemas.microsoft.com/office/drawing/2014/main" val="10000"/>
+                  </a:ext>
+                </a:extLst>
+              </a:tr>
+              <a:tr h="2143787">
+                <a:tc>
+                  <a:txBody>
+                    <a:bodyPr/>
+                    <a:lstStyle/>
+                    <a:p>
+                      <a:pPr marL="0" marR="0" lvl="0" indent="0" algn="l" defTabSz="914400" rtl="0" eaLnBrk="0" fontAlgn="ctr" latinLnBrk="0" hangingPunct="0">
+                        <a:lnSpc>
+                          <a:spcPct val="100000"/>
+                        </a:lnSpc>
+                        <a:spcBef>
+                          <a:spcPct val="10000"/>
+                        </a:spcBef>
+                        <a:spcAft>
+                          <a:spcPct val="0"/>
+                        </a:spcAft>
+                        <a:buClr>
+                          <a:srgbClr val="CC3300"/>
+                        </a:buClr>
+                        <a:buSzPct val="70000"/>
+                        <a:buFont typeface="Wingdings" panose="05000000000000000000" pitchFamily="2" charset="2"/>
+                        <a:buNone/>
+                      </a:pPr>
+                      <a:r>
+                        <a:rPr kumimoji="0" lang="zh-CN" altLang="en-US" sz="1400" b="0" i="0" u="none" strike="noStrike" cap="none" normalizeH="0" baseline="0" dirty="0" smtClean="0">
+                          <a:ln>
+                            <a:noFill/>
+                          </a:ln>
+                          <a:solidFill>
+                            <a:schemeClr val="tx1"/>
+                          </a:solidFill>
+                          <a:effectLst/>
+                          <a:latin typeface="微软雅黑" panose="020B0503020204020204" pitchFamily="34" charset="-122"/>
+                          <a:ea typeface="微软雅黑" panose="020B0503020204020204" pitchFamily="34" charset="-122"/>
+                        </a:rPr>
+                        <a:t>贵阳工业互联网平台</a:t>
+                      </a:r>
+                      <a:endParaRPr kumimoji="0" lang="zh-CN" altLang="en-US" sz="1400" b="0" i="0" u="none" strike="noStrike" cap="none" normalizeH="0" baseline="0" dirty="0">
+                        <a:ln>
+                          <a:noFill/>
+                        </a:ln>
+                        <a:solidFill>
+                          <a:schemeClr val="tx1"/>
+                        </a:solidFill>
+                        <a:effectLst/>
+                        <a:latin typeface="微软雅黑" panose="020B0503020204020204" pitchFamily="34" charset="-122"/>
+                        <a:ea typeface="微软雅黑" panose="020B0503020204020204" pitchFamily="34" charset="-122"/>
+                      </a:endParaRPr>
+                    </a:p>
+                  </a:txBody>
+                  <a:tcPr anchor="ctr" horzOverflow="overflow">
+                    <a:lnL w="12700" cap="flat" cmpd="sng" algn="ctr">
+                      <a:solidFill>
+                        <a:schemeClr val="tx1"/>
+                      </a:solidFill>
+                      <a:prstDash val="solid"/>
+                      <a:round/>
+                      <a:headEnd type="none" w="med" len="med"/>
+                      <a:tailEnd type="none" w="med" len="med"/>
+                    </a:lnL>
+                    <a:lnR w="12700" cap="flat" cmpd="sng" algn="ctr">
+                      <a:solidFill>
+                        <a:schemeClr val="tx1"/>
+                      </a:solidFill>
+                      <a:prstDash val="solid"/>
+                      <a:round/>
+                      <a:headEnd type="none" w="med" len="med"/>
+                      <a:tailEnd type="none" w="med" len="med"/>
+                    </a:lnR>
+                    <a:lnT w="12700" cap="flat" cmpd="sng" algn="ctr">
+                      <a:solidFill>
+                        <a:schemeClr val="tx1"/>
+                      </a:solidFill>
+                      <a:prstDash val="solid"/>
+                      <a:round/>
+                      <a:headEnd type="none" w="med" len="med"/>
+                      <a:tailEnd type="none" w="med" len="med"/>
+                    </a:lnT>
+                    <a:lnB w="12700" cap="flat" cmpd="sng" algn="ctr">
+                      <a:solidFill>
+                        <a:schemeClr val="tx1"/>
+                      </a:solidFill>
+                      <a:prstDash val="solid"/>
+                      <a:round/>
+                      <a:headEnd type="none" w="med" len="med"/>
+                      <a:tailEnd type="none" w="med" len="med"/>
+                    </a:lnB>
+                    <a:lnTlToBr>
+                      <a:noFill/>
+                    </a:lnTlToBr>
+                    <a:lnBlToTr>
+                      <a:noFill/>
+                    </a:lnBlToTr>
+                    <a:solidFill>
+                      <a:srgbClr val="FFFFFF"/>
+                    </a:solidFill>
+                  </a:tcPr>
+                </a:tc>
+                <a:tc>
+                  <a:txBody>
+                    <a:bodyPr/>
+                    <a:lstStyle/>
+                    <a:p>
+                      <a:pPr marL="0" marR="0" lvl="0" indent="0" algn="ctr" defTabSz="914400" rtl="0" eaLnBrk="0" fontAlgn="ctr" latinLnBrk="0" hangingPunct="0">
+                        <a:lnSpc>
+                          <a:spcPct val="100000"/>
+                        </a:lnSpc>
+                        <a:spcBef>
+                          <a:spcPct val="10000"/>
+                        </a:spcBef>
+                        <a:spcAft>
+                          <a:spcPct val="0"/>
+                        </a:spcAft>
+                        <a:buClr>
+                          <a:srgbClr val="CC3300"/>
+                        </a:buClr>
+                        <a:buSzPct val="70000"/>
+                        <a:buFont typeface="Wingdings" panose="05000000000000000000" pitchFamily="2" charset="2"/>
+                        <a:buNone/>
+                      </a:pPr>
+                      <a:r>
+                        <a:rPr kumimoji="0" lang="en-US" altLang="zh-CN" sz="1400" b="0" i="0" u="none" strike="noStrike" kern="1200" cap="none" normalizeH="0" baseline="0" dirty="0" smtClean="0">
+                          <a:ln>
+                            <a:noFill/>
+                          </a:ln>
+                          <a:solidFill>
+                            <a:schemeClr val="tx1"/>
+                          </a:solidFill>
+                          <a:effectLst/>
+                          <a:latin typeface="微软雅黑" panose="020B0503020204020204" pitchFamily="34" charset="-122"/>
+                          <a:ea typeface="微软雅黑" panose="020B0503020204020204" pitchFamily="34" charset="-122"/>
+                          <a:cs typeface="+mn-cs"/>
+                        </a:rPr>
+                        <a:t>2020.10-2021.1</a:t>
+                      </a:r>
+                      <a:endParaRPr kumimoji="0" lang="zh-CN" altLang="en-US" sz="1400" b="0" i="0" u="none" strike="noStrike" kern="1200" cap="none" normalizeH="0" baseline="0" dirty="0">
+                        <a:ln>
+                          <a:noFill/>
+                        </a:ln>
+                        <a:solidFill>
+                          <a:schemeClr val="tx1"/>
+                        </a:solidFill>
+                        <a:effectLst/>
+                        <a:latin typeface="微软雅黑" panose="020B0503020204020204" pitchFamily="34" charset="-122"/>
+                        <a:ea typeface="微软雅黑" panose="020B0503020204020204" pitchFamily="34" charset="-122"/>
+                        <a:cs typeface="+mn-cs"/>
+                      </a:endParaRPr>
+                    </a:p>
+                  </a:txBody>
+                  <a:tcPr anchor="ctr" horzOverflow="overflow">
+                    <a:lnL w="12700" cap="flat" cmpd="sng" algn="ctr">
+                      <a:solidFill>
+                        <a:schemeClr val="tx1"/>
+                      </a:solidFill>
+                      <a:prstDash val="solid"/>
+                      <a:round/>
+                      <a:headEnd type="none" w="med" len="med"/>
+                      <a:tailEnd type="none" w="med" len="med"/>
+                    </a:lnL>
+                    <a:lnR w="12700" cap="flat" cmpd="sng" algn="ctr">
+                      <a:solidFill>
+                        <a:schemeClr val="tx1"/>
+                      </a:solidFill>
+                      <a:prstDash val="solid"/>
+                      <a:round/>
+                      <a:headEnd type="none" w="med" len="med"/>
+                      <a:tailEnd type="none" w="med" len="med"/>
+                    </a:lnR>
+                    <a:lnT w="12700" cap="flat" cmpd="sng" algn="ctr">
+                      <a:solidFill>
+                        <a:schemeClr val="tx1"/>
+                      </a:solidFill>
+                      <a:prstDash val="solid"/>
+                      <a:round/>
+                      <a:headEnd type="none" w="med" len="med"/>
+                      <a:tailEnd type="none" w="med" len="med"/>
+                    </a:lnT>
+                    <a:lnB w="12700" cap="flat" cmpd="sng" algn="ctr">
+                      <a:solidFill>
+                        <a:schemeClr val="tx1"/>
+                      </a:solidFill>
+                      <a:prstDash val="solid"/>
+                      <a:round/>
+                      <a:headEnd type="none" w="med" len="med"/>
+                      <a:tailEnd type="none" w="med" len="med"/>
+                    </a:lnB>
+                    <a:lnTlToBr>
+                      <a:noFill/>
+                    </a:lnTlToBr>
+                    <a:lnBlToTr>
+                      <a:noFill/>
+                    </a:lnBlToTr>
+                    <a:solidFill>
+                      <a:srgbClr val="FFFFFF"/>
+                    </a:solidFill>
+                  </a:tcPr>
+                </a:tc>
+                <a:tc>
+                  <a:txBody>
+                    <a:bodyPr/>
+                    <a:lstStyle/>
+                    <a:p>
+                      <a:pPr marL="0" marR="0" lvl="0" indent="0" algn="ctr" defTabSz="914400" rtl="0" eaLnBrk="0" fontAlgn="ctr" latinLnBrk="0" hangingPunct="0">
+                        <a:lnSpc>
+                          <a:spcPct val="100000"/>
+                        </a:lnSpc>
+                        <a:spcBef>
+                          <a:spcPct val="10000"/>
+                        </a:spcBef>
+                        <a:spcAft>
+                          <a:spcPct val="0"/>
+                        </a:spcAft>
+                        <a:buClr>
+                          <a:srgbClr val="CC3300"/>
+                        </a:buClr>
+                        <a:buSzPct val="70000"/>
+                        <a:buFont typeface="Wingdings" panose="05000000000000000000" pitchFamily="2" charset="2"/>
+                        <a:buNone/>
+                      </a:pPr>
+                      <a:r>
+                        <a:rPr kumimoji="0" lang="zh-CN" altLang="en-US" sz="1400" b="0" i="0" u="none" strike="noStrike" kern="1200" cap="none" normalizeH="0" baseline="0" dirty="0" smtClean="0">
+                          <a:ln>
+                            <a:noFill/>
+                          </a:ln>
+                          <a:solidFill>
+                            <a:schemeClr val="tx1"/>
+                          </a:solidFill>
+                          <a:effectLst/>
+                          <a:latin typeface="微软雅黑" panose="020B0503020204020204" pitchFamily="34" charset="-122"/>
+                          <a:ea typeface="微软雅黑" panose="020B0503020204020204" pitchFamily="34" charset="-122"/>
+                          <a:cs typeface="+mn-cs"/>
+                        </a:rPr>
+                        <a:t>技术负责人</a:t>
+                      </a:r>
+                      <a:endParaRPr kumimoji="0" lang="zh-CN" altLang="en-US" sz="1400" b="0" i="0" u="none" strike="noStrike" kern="1200" cap="none" normalizeH="0" baseline="0" dirty="0">
+                        <a:ln>
+                          <a:noFill/>
+                        </a:ln>
+                        <a:solidFill>
+                          <a:schemeClr val="tx1"/>
+                        </a:solidFill>
+                        <a:effectLst/>
+                        <a:latin typeface="微软雅黑" panose="020B0503020204020204" pitchFamily="34" charset="-122"/>
+                        <a:ea typeface="微软雅黑" panose="020B0503020204020204" pitchFamily="34" charset="-122"/>
+                        <a:cs typeface="+mn-cs"/>
+                      </a:endParaRPr>
+                    </a:p>
+                  </a:txBody>
+                  <a:tcPr anchor="ctr" horzOverflow="overflow">
+                    <a:lnL w="12700" cap="flat" cmpd="sng" algn="ctr">
+                      <a:solidFill>
+                        <a:schemeClr val="tx1"/>
+                      </a:solidFill>
+                      <a:prstDash val="solid"/>
+                      <a:round/>
+                      <a:headEnd type="none" w="med" len="med"/>
+                      <a:tailEnd type="none" w="med" len="med"/>
+                    </a:lnL>
+                    <a:lnR w="12700" cap="flat" cmpd="sng" algn="ctr">
+                      <a:solidFill>
+                        <a:schemeClr val="tx1"/>
+                      </a:solidFill>
+                      <a:prstDash val="solid"/>
+                      <a:round/>
+                      <a:headEnd type="none" w="med" len="med"/>
+                      <a:tailEnd type="none" w="med" len="med"/>
+                    </a:lnR>
+                    <a:lnT w="12700" cap="flat" cmpd="sng" algn="ctr">
+                      <a:solidFill>
+                        <a:schemeClr val="tx1"/>
+                      </a:solidFill>
+                      <a:prstDash val="solid"/>
+                      <a:round/>
+                      <a:headEnd type="none" w="med" len="med"/>
+                      <a:tailEnd type="none" w="med" len="med"/>
+                    </a:lnT>
+                    <a:lnB w="12700" cap="flat" cmpd="sng" algn="ctr">
+                      <a:solidFill>
+                        <a:schemeClr val="tx1"/>
+                      </a:solidFill>
+                      <a:prstDash val="solid"/>
+                      <a:round/>
+                      <a:headEnd type="none" w="med" len="med"/>
+                      <a:tailEnd type="none" w="med" len="med"/>
+                    </a:lnB>
+                    <a:lnTlToBr>
+                      <a:noFill/>
+                    </a:lnTlToBr>
+                    <a:lnBlToTr>
+                      <a:noFill/>
+                    </a:lnBlToTr>
+                    <a:solidFill>
+                      <a:srgbClr val="FFFFFF"/>
+                    </a:solidFill>
+                  </a:tcPr>
+                </a:tc>
+                <a:tc>
+                  <a:txBody>
+                    <a:bodyPr/>
+                    <a:lstStyle/>
+                    <a:p>
+                      <a:pPr marL="0" marR="0" lvl="0" indent="0" algn="l" defTabSz="914400" rtl="0" eaLnBrk="0" fontAlgn="ctr" latinLnBrk="0" hangingPunct="0">
+                        <a:lnSpc>
+                          <a:spcPct val="100000"/>
+                        </a:lnSpc>
+                        <a:spcBef>
+                          <a:spcPct val="10000"/>
+                        </a:spcBef>
+                        <a:spcAft>
+                          <a:spcPct val="0"/>
+                        </a:spcAft>
+                        <a:buClr>
+                          <a:schemeClr val="tx1"/>
+                        </a:buClr>
+                        <a:buSzPct val="70000"/>
+                        <a:buFont typeface="Wingdings" panose="05000000000000000000" pitchFamily="2" charset="2"/>
+                        <a:buNone/>
+                      </a:pPr>
+                      <a:r>
+                        <a:rPr kumimoji="0" lang="en-US" altLang="zh-CN" sz="1400" b="0" i="0" u="none" strike="noStrike" cap="none" normalizeH="0" baseline="0" dirty="0" smtClean="0">
+                          <a:ln>
+                            <a:noFill/>
+                          </a:ln>
+                          <a:solidFill>
+                            <a:schemeClr val="tx1"/>
+                          </a:solidFill>
+                          <a:effectLst/>
+                          <a:latin typeface="微软雅黑" panose="020B0503020204020204" pitchFamily="34" charset="-122"/>
+                          <a:ea typeface="微软雅黑" panose="020B0503020204020204" pitchFamily="34" charset="-122"/>
+                        </a:rPr>
+                        <a:t>10</a:t>
+                      </a:r>
+                      <a:r>
+                        <a:rPr kumimoji="0" lang="zh-CN" altLang="en-US" sz="1400" b="0" i="0" u="none" strike="noStrike" cap="none" normalizeH="0" baseline="0" dirty="0" smtClean="0">
+                          <a:ln>
+                            <a:noFill/>
+                          </a:ln>
+                          <a:solidFill>
+                            <a:schemeClr val="tx1"/>
+                          </a:solidFill>
+                          <a:effectLst/>
+                          <a:latin typeface="微软雅黑" panose="020B0503020204020204" pitchFamily="34" charset="-122"/>
+                          <a:ea typeface="微软雅黑" panose="020B0503020204020204" pitchFamily="34" charset="-122"/>
+                        </a:rPr>
+                        <a:t>月底接过贵阳项目，开发了百度数据中台接口，设备监控看板等功能，对接了百度单点登录，运营中心看板等功能，搭建了贵阳项目测试环境，平时负责贵阳项目运维升级、同百度、数据采集方对接需求、以及两台服务器的管理工作。</a:t>
+                      </a:r>
+                      <a:endParaRPr kumimoji="0" lang="en-US" altLang="zh-CN" sz="1400" b="0" i="0" u="none" strike="noStrike" cap="none" normalizeH="0" baseline="0" dirty="0" smtClean="0">
+                        <a:ln>
+                          <a:noFill/>
+                        </a:ln>
+                        <a:solidFill>
+                          <a:schemeClr val="tx1"/>
+                        </a:solidFill>
+                        <a:effectLst/>
+                        <a:latin typeface="微软雅黑" panose="020B0503020204020204" pitchFamily="34" charset="-122"/>
+                        <a:ea typeface="微软雅黑" panose="020B0503020204020204" pitchFamily="34" charset="-122"/>
+                      </a:endParaRPr>
+                    </a:p>
+                    <a:p>
+                      <a:pPr marL="0" marR="0" lvl="0" indent="0" algn="l" defTabSz="914400" rtl="0" eaLnBrk="0" fontAlgn="ctr" latinLnBrk="0" hangingPunct="0">
+                        <a:lnSpc>
+                          <a:spcPct val="100000"/>
+                        </a:lnSpc>
+                        <a:spcBef>
+                          <a:spcPct val="10000"/>
+                        </a:spcBef>
+                        <a:spcAft>
+                          <a:spcPct val="0"/>
+                        </a:spcAft>
+                        <a:buClr>
+                          <a:schemeClr val="tx1"/>
+                        </a:buClr>
+                        <a:buSzPct val="70000"/>
+                        <a:buFont typeface="Wingdings" panose="05000000000000000000" pitchFamily="2" charset="2"/>
+                        <a:buNone/>
+                      </a:pPr>
+                      <a:r>
+                        <a:rPr kumimoji="0" lang="zh-CN" altLang="en-US" sz="1400" b="0" i="0" u="none" strike="noStrike" cap="none" normalizeH="0" baseline="0" dirty="0" smtClean="0">
+                          <a:ln>
+                            <a:noFill/>
+                          </a:ln>
+                          <a:solidFill>
+                            <a:schemeClr val="tx1"/>
+                          </a:solidFill>
+                          <a:effectLst/>
+                          <a:latin typeface="微软雅黑" panose="020B0503020204020204" pitchFamily="34" charset="-122"/>
+                          <a:ea typeface="微软雅黑" panose="020B0503020204020204" pitchFamily="34" charset="-122"/>
+                        </a:rPr>
+                        <a:t>在项目上初次使用之前自学过的</a:t>
+                      </a:r>
+                      <a:r>
+                        <a:rPr kumimoji="0" lang="en-US" altLang="zh-CN" sz="1400" b="0" i="0" u="none" strike="noStrike" cap="none" normalizeH="0" baseline="0" dirty="0" smtClean="0">
+                          <a:ln>
+                            <a:noFill/>
+                          </a:ln>
+                          <a:solidFill>
+                            <a:schemeClr val="tx1"/>
+                          </a:solidFill>
+                          <a:effectLst/>
+                          <a:latin typeface="微软雅黑" panose="020B0503020204020204" pitchFamily="34" charset="-122"/>
+                          <a:ea typeface="微软雅黑" panose="020B0503020204020204" pitchFamily="34" charset="-122"/>
+                        </a:rPr>
+                        <a:t>KAFKA</a:t>
+                      </a:r>
+                      <a:r>
+                        <a:rPr kumimoji="0" lang="zh-CN" altLang="en-US" sz="1400" b="0" i="0" u="none" strike="noStrike" cap="none" normalizeH="0" baseline="0" dirty="0" smtClean="0">
+                          <a:ln>
+                            <a:noFill/>
+                          </a:ln>
+                          <a:solidFill>
+                            <a:schemeClr val="tx1"/>
+                          </a:solidFill>
+                          <a:effectLst/>
+                          <a:latin typeface="微软雅黑" panose="020B0503020204020204" pitchFamily="34" charset="-122"/>
+                          <a:ea typeface="微软雅黑" panose="020B0503020204020204" pitchFamily="34" charset="-122"/>
+                        </a:rPr>
+                        <a:t>，提高了对</a:t>
+                      </a:r>
+                      <a:r>
+                        <a:rPr kumimoji="0" lang="en-US" altLang="zh-CN" sz="1400" b="0" i="0" u="none" strike="noStrike" cap="none" normalizeH="0" baseline="0" dirty="0" smtClean="0">
+                          <a:ln>
+                            <a:noFill/>
+                          </a:ln>
+                          <a:solidFill>
+                            <a:schemeClr val="tx1"/>
+                          </a:solidFill>
+                          <a:effectLst/>
+                          <a:latin typeface="微软雅黑" panose="020B0503020204020204" pitchFamily="34" charset="-122"/>
+                          <a:ea typeface="微软雅黑" panose="020B0503020204020204" pitchFamily="34" charset="-122"/>
+                        </a:rPr>
+                        <a:t>KAFKA</a:t>
+                      </a:r>
+                      <a:r>
+                        <a:rPr kumimoji="0" lang="zh-CN" altLang="en-US" sz="1400" b="0" i="0" u="none" strike="noStrike" cap="none" normalizeH="0" baseline="0" dirty="0" smtClean="0">
+                          <a:ln>
+                            <a:noFill/>
+                          </a:ln>
+                          <a:solidFill>
+                            <a:schemeClr val="tx1"/>
+                          </a:solidFill>
+                          <a:effectLst/>
+                          <a:latin typeface="微软雅黑" panose="020B0503020204020204" pitchFamily="34" charset="-122"/>
+                          <a:ea typeface="微软雅黑" panose="020B0503020204020204" pitchFamily="34" charset="-122"/>
+                        </a:rPr>
+                        <a:t>的掌握，初次使用</a:t>
+                      </a:r>
+                      <a:r>
+                        <a:rPr kumimoji="0" lang="en-US" altLang="zh-CN" sz="1400" b="0" i="0" u="none" strike="noStrike" cap="none" normalizeH="0" baseline="0" dirty="0" smtClean="0">
+                          <a:ln>
+                            <a:noFill/>
+                          </a:ln>
+                          <a:solidFill>
+                            <a:schemeClr val="tx1"/>
+                          </a:solidFill>
+                          <a:effectLst/>
+                          <a:latin typeface="微软雅黑" panose="020B0503020204020204" pitchFamily="34" charset="-122"/>
+                          <a:ea typeface="微软雅黑" panose="020B0503020204020204" pitchFamily="34" charset="-122"/>
+                        </a:rPr>
+                        <a:t>HZERO</a:t>
+                      </a:r>
+                      <a:r>
+                        <a:rPr kumimoji="0" lang="zh-CN" altLang="en-US" sz="1400" b="0" i="0" u="none" strike="noStrike" cap="none" normalizeH="0" baseline="0" dirty="0" smtClean="0">
+                          <a:ln>
+                            <a:noFill/>
+                          </a:ln>
+                          <a:solidFill>
+                            <a:schemeClr val="tx1"/>
+                          </a:solidFill>
+                          <a:effectLst/>
+                          <a:latin typeface="微软雅黑" panose="020B0503020204020204" pitchFamily="34" charset="-122"/>
+                          <a:ea typeface="微软雅黑" panose="020B0503020204020204" pitchFamily="34" charset="-122"/>
+                        </a:rPr>
+                        <a:t>接口平台开发，提高了对</a:t>
+                      </a:r>
+                      <a:r>
+                        <a:rPr kumimoji="0" lang="en-US" altLang="zh-CN" sz="1400" b="0" i="0" u="none" strike="noStrike" cap="none" normalizeH="0" baseline="0" dirty="0" smtClean="0">
+                          <a:ln>
+                            <a:noFill/>
+                          </a:ln>
+                          <a:solidFill>
+                            <a:schemeClr val="tx1"/>
+                          </a:solidFill>
+                          <a:effectLst/>
+                          <a:latin typeface="微软雅黑" panose="020B0503020204020204" pitchFamily="34" charset="-122"/>
+                          <a:ea typeface="微软雅黑" panose="020B0503020204020204" pitchFamily="34" charset="-122"/>
+                        </a:rPr>
+                        <a:t>HZERO</a:t>
+                      </a:r>
+                      <a:r>
+                        <a:rPr kumimoji="0" lang="zh-CN" altLang="en-US" sz="1400" b="0" i="0" u="none" strike="noStrike" cap="none" normalizeH="0" baseline="0" dirty="0" smtClean="0">
+                          <a:ln>
+                            <a:noFill/>
+                          </a:ln>
+                          <a:solidFill>
+                            <a:schemeClr val="tx1"/>
+                          </a:solidFill>
+                          <a:effectLst/>
+                          <a:latin typeface="微软雅黑" panose="020B0503020204020204" pitchFamily="34" charset="-122"/>
+                          <a:ea typeface="微软雅黑" panose="020B0503020204020204" pitchFamily="34" charset="-122"/>
+                        </a:rPr>
+                        <a:t>的掌握，自主搭建了贵阳项目测试环境，对</a:t>
+                      </a:r>
+                      <a:r>
+                        <a:rPr kumimoji="0" lang="en-US" altLang="zh-CN" sz="1400" b="0" i="0" u="none" strike="noStrike" cap="none" normalizeH="0" baseline="0" dirty="0" smtClean="0">
+                          <a:ln>
+                            <a:noFill/>
+                          </a:ln>
+                          <a:solidFill>
+                            <a:schemeClr val="tx1"/>
+                          </a:solidFill>
+                          <a:effectLst/>
+                          <a:latin typeface="微软雅黑" panose="020B0503020204020204" pitchFamily="34" charset="-122"/>
+                          <a:ea typeface="微软雅黑" panose="020B0503020204020204" pitchFamily="34" charset="-122"/>
+                        </a:rPr>
+                        <a:t>OP</a:t>
+                      </a:r>
+                      <a:r>
+                        <a:rPr kumimoji="0" lang="zh-CN" altLang="en-US" sz="1400" b="0" i="0" u="none" strike="noStrike" cap="none" normalizeH="0" baseline="0" dirty="0" smtClean="0">
+                          <a:ln>
+                            <a:noFill/>
+                          </a:ln>
+                          <a:solidFill>
+                            <a:schemeClr val="tx1"/>
+                          </a:solidFill>
+                          <a:effectLst/>
+                          <a:latin typeface="微软雅黑" panose="020B0503020204020204" pitchFamily="34" charset="-122"/>
+                          <a:ea typeface="微软雅黑" panose="020B0503020204020204" pitchFamily="34" charset="-122"/>
+                        </a:rPr>
+                        <a:t>版本的一步制造云的搭建、部署、开发流程有一定的了解和执行能力</a:t>
+                      </a:r>
+                      <a:endParaRPr kumimoji="0" lang="en-US" altLang="zh-CN" sz="1400" b="0" i="0" u="none" strike="noStrike" cap="none" normalizeH="0" baseline="0" dirty="0" smtClean="0">
+                        <a:ln>
+                          <a:noFill/>
+                        </a:ln>
+                        <a:solidFill>
+                          <a:schemeClr val="tx1"/>
+                        </a:solidFill>
+                        <a:effectLst/>
+                        <a:latin typeface="微软雅黑" panose="020B0503020204020204" pitchFamily="34" charset="-122"/>
+                        <a:ea typeface="微软雅黑" panose="020B0503020204020204" pitchFamily="34" charset="-122"/>
+                      </a:endParaRPr>
+                    </a:p>
+                  </a:txBody>
+                  <a:tcPr anchor="ctr" horzOverflow="overflow">
+                    <a:lnL w="12700" cap="flat" cmpd="sng" algn="ctr">
+                      <a:solidFill>
+                        <a:schemeClr val="tx1"/>
+                      </a:solidFill>
+                      <a:prstDash val="solid"/>
+                      <a:round/>
+                      <a:headEnd type="none" w="med" len="med"/>
+                      <a:tailEnd type="none" w="med" len="med"/>
+                    </a:lnL>
+                    <a:lnR w="12700" cap="flat" cmpd="sng" algn="ctr">
+                      <a:solidFill>
+                        <a:schemeClr val="tx1"/>
+                      </a:solidFill>
+                      <a:prstDash val="solid"/>
+                      <a:round/>
+                      <a:headEnd type="none" w="med" len="med"/>
+                      <a:tailEnd type="none" w="med" len="med"/>
+                    </a:lnR>
+                    <a:lnT w="12700" cap="flat" cmpd="sng" algn="ctr">
+                      <a:solidFill>
+                        <a:schemeClr val="tx1"/>
+                      </a:solidFill>
+                      <a:prstDash val="solid"/>
+                      <a:round/>
+                      <a:headEnd type="none" w="med" len="med"/>
+                      <a:tailEnd type="none" w="med" len="med"/>
+                    </a:lnT>
+                    <a:lnB w="12700" cap="flat" cmpd="sng" algn="ctr">
+                      <a:solidFill>
+                        <a:schemeClr val="tx1"/>
+                      </a:solidFill>
+                      <a:prstDash val="solid"/>
+                      <a:round/>
+                      <a:headEnd type="none" w="med" len="med"/>
+                      <a:tailEnd type="none" w="med" len="med"/>
+                    </a:lnB>
+                    <a:lnTlToBr>
+                      <a:noFill/>
+                    </a:lnTlToBr>
+                    <a:lnBlToTr>
+                      <a:noFill/>
+                    </a:lnBlToTr>
+                    <a:solidFill>
+                      <a:srgbClr val="FFFFFF"/>
+                    </a:solidFill>
+                  </a:tcPr>
+                </a:tc>
+                <a:extLst>
+                  <a:ext uri="{0D108BD9-81ED-4DB2-BD59-A6C34878D82A}">
+                    <a16:rowId xmlns:a16="http://schemas.microsoft.com/office/drawing/2014/main" val="10001"/>
+                  </a:ext>
+                </a:extLst>
+              </a:tr>
+              <a:tr h="2763687">
+                <a:tc>
+                  <a:txBody>
+                    <a:bodyPr/>
+                    <a:lstStyle/>
+                    <a:p>
+                      <a:pPr marL="0" marR="0" lvl="0" indent="0" algn="l" defTabSz="914400" rtl="0" eaLnBrk="0" fontAlgn="ctr" latinLnBrk="0" hangingPunct="0">
+                        <a:lnSpc>
+                          <a:spcPct val="100000"/>
+                        </a:lnSpc>
+                        <a:spcBef>
+                          <a:spcPct val="10000"/>
+                        </a:spcBef>
+                        <a:spcAft>
+                          <a:spcPct val="0"/>
+                        </a:spcAft>
+                        <a:buClr>
+                          <a:srgbClr val="CC3300"/>
+                        </a:buClr>
+                        <a:buSzPct val="70000"/>
+                        <a:buFont typeface="Wingdings" panose="05000000000000000000" pitchFamily="2" charset="2"/>
+                        <a:buNone/>
+                      </a:pPr>
+                      <a:r>
+                        <a:rPr kumimoji="0" lang="zh-CN" altLang="en-US" sz="1400" b="0" i="0" u="none" strike="noStrike" cap="none" normalizeH="0" baseline="0" dirty="0" smtClean="0">
+                          <a:ln>
+                            <a:noFill/>
+                          </a:ln>
+                          <a:solidFill>
+                            <a:schemeClr val="tx1"/>
+                          </a:solidFill>
+                          <a:effectLst/>
+                          <a:latin typeface="微软雅黑" panose="020B0503020204020204" pitchFamily="34" charset="-122"/>
+                          <a:ea typeface="微软雅黑" panose="020B0503020204020204" pitchFamily="34" charset="-122"/>
+                        </a:rPr>
+                        <a:t>中天宇光</a:t>
+                      </a:r>
+                      <a:endParaRPr kumimoji="0" lang="zh-CN" altLang="en-US" sz="1400" b="0" i="0" u="none" strike="noStrike" cap="none" normalizeH="0" baseline="0" dirty="0">
+                        <a:ln>
+                          <a:noFill/>
+                        </a:ln>
+                        <a:solidFill>
+                          <a:schemeClr val="tx1"/>
+                        </a:solidFill>
+                        <a:effectLst/>
+                        <a:latin typeface="微软雅黑" panose="020B0503020204020204" pitchFamily="34" charset="-122"/>
+                        <a:ea typeface="微软雅黑" panose="020B0503020204020204" pitchFamily="34" charset="-122"/>
+                      </a:endParaRPr>
+                    </a:p>
+                  </a:txBody>
+                  <a:tcPr anchor="ctr" horzOverflow="overflow">
+                    <a:lnL w="12700" cap="flat" cmpd="sng" algn="ctr">
+                      <a:solidFill>
+                        <a:schemeClr val="tx1"/>
+                      </a:solidFill>
+                      <a:prstDash val="solid"/>
+                      <a:round/>
+                      <a:headEnd type="none" w="med" len="med"/>
+                      <a:tailEnd type="none" w="med" len="med"/>
+                    </a:lnL>
+                    <a:lnR w="12700" cap="flat" cmpd="sng" algn="ctr">
+                      <a:solidFill>
+                        <a:schemeClr val="tx1"/>
+                      </a:solidFill>
+                      <a:prstDash val="solid"/>
+                      <a:round/>
+                      <a:headEnd type="none" w="med" len="med"/>
+                      <a:tailEnd type="none" w="med" len="med"/>
+                    </a:lnR>
+                    <a:lnT w="12700" cap="flat" cmpd="sng" algn="ctr">
+                      <a:solidFill>
+                        <a:schemeClr val="tx1"/>
+                      </a:solidFill>
+                      <a:prstDash val="solid"/>
+                      <a:round/>
+                      <a:headEnd type="none" w="med" len="med"/>
+                      <a:tailEnd type="none" w="med" len="med"/>
+                    </a:lnT>
+                    <a:lnB w="12700" cap="flat" cmpd="sng" algn="ctr">
+                      <a:solidFill>
+                        <a:schemeClr val="tx1"/>
+                      </a:solidFill>
+                      <a:prstDash val="solid"/>
+                      <a:round/>
+                      <a:headEnd type="none" w="med" len="med"/>
+                      <a:tailEnd type="none" w="med" len="med"/>
+                    </a:lnB>
+                    <a:lnTlToBr>
+                      <a:noFill/>
+                    </a:lnTlToBr>
+                    <a:lnBlToTr>
+                      <a:noFill/>
+                    </a:lnBlToTr>
+                    <a:solidFill>
+                      <a:srgbClr val="FFFFFF"/>
+                    </a:solidFill>
+                  </a:tcPr>
+                </a:tc>
+                <a:tc>
+                  <a:txBody>
+                    <a:bodyPr/>
+                    <a:lstStyle/>
+                    <a:p>
+                      <a:pPr marL="0" marR="0" lvl="0" indent="0" algn="ctr" defTabSz="914400" rtl="0" eaLnBrk="0" fontAlgn="ctr" latinLnBrk="0" hangingPunct="0">
+                        <a:lnSpc>
+                          <a:spcPct val="100000"/>
+                        </a:lnSpc>
+                        <a:spcBef>
+                          <a:spcPct val="10000"/>
+                        </a:spcBef>
+                        <a:spcAft>
+                          <a:spcPct val="0"/>
+                        </a:spcAft>
+                        <a:buClr>
+                          <a:srgbClr val="CC3300"/>
+                        </a:buClr>
+                        <a:buSzPct val="70000"/>
+                        <a:buFont typeface="Wingdings" panose="05000000000000000000" pitchFamily="2" charset="2"/>
+                        <a:buNone/>
+                      </a:pPr>
+                      <a:r>
+                        <a:rPr kumimoji="0" lang="en-US" altLang="zh-CN" sz="1400" b="0" i="0" u="none" strike="noStrike" kern="1200" cap="none" normalizeH="0" baseline="0" dirty="0" smtClean="0">
+                          <a:ln>
+                            <a:noFill/>
+                          </a:ln>
+                          <a:solidFill>
+                            <a:schemeClr val="tx1"/>
+                          </a:solidFill>
+                          <a:effectLst/>
+                          <a:latin typeface="微软雅黑" panose="020B0503020204020204" pitchFamily="34" charset="-122"/>
+                          <a:ea typeface="微软雅黑" panose="020B0503020204020204" pitchFamily="34" charset="-122"/>
+                          <a:cs typeface="+mn-cs"/>
+                        </a:rPr>
+                        <a:t>2020.11-2021.1</a:t>
+                      </a:r>
+                      <a:endParaRPr kumimoji="0" lang="zh-CN" altLang="en-US" sz="1400" b="0" i="0" u="none" strike="noStrike" kern="1200" cap="none" normalizeH="0" baseline="0" dirty="0">
+                        <a:ln>
+                          <a:noFill/>
+                        </a:ln>
+                        <a:solidFill>
+                          <a:schemeClr val="tx1"/>
+                        </a:solidFill>
+                        <a:effectLst/>
+                        <a:latin typeface="微软雅黑" panose="020B0503020204020204" pitchFamily="34" charset="-122"/>
+                        <a:ea typeface="微软雅黑" panose="020B0503020204020204" pitchFamily="34" charset="-122"/>
+                        <a:cs typeface="+mn-cs"/>
+                      </a:endParaRPr>
+                    </a:p>
+                  </a:txBody>
+                  <a:tcPr anchor="ctr" horzOverflow="overflow">
+                    <a:lnL w="12700" cap="flat" cmpd="sng" algn="ctr">
+                      <a:solidFill>
+                        <a:schemeClr val="tx1"/>
+                      </a:solidFill>
+                      <a:prstDash val="solid"/>
+                      <a:round/>
+                      <a:headEnd type="none" w="med" len="med"/>
+                      <a:tailEnd type="none" w="med" len="med"/>
+                    </a:lnL>
+                    <a:lnR w="12700" cap="flat" cmpd="sng" algn="ctr">
+                      <a:solidFill>
+                        <a:schemeClr val="tx1"/>
+                      </a:solidFill>
+                      <a:prstDash val="solid"/>
+                      <a:round/>
+                      <a:headEnd type="none" w="med" len="med"/>
+                      <a:tailEnd type="none" w="med" len="med"/>
+                    </a:lnR>
+                    <a:lnT w="12700" cap="flat" cmpd="sng" algn="ctr">
+                      <a:solidFill>
+                        <a:schemeClr val="tx1"/>
+                      </a:solidFill>
+                      <a:prstDash val="solid"/>
+                      <a:round/>
+                      <a:headEnd type="none" w="med" len="med"/>
+                      <a:tailEnd type="none" w="med" len="med"/>
+                    </a:lnT>
+                    <a:lnB w="12700" cap="flat" cmpd="sng" algn="ctr">
+                      <a:solidFill>
+                        <a:schemeClr val="tx1"/>
+                      </a:solidFill>
+                      <a:prstDash val="solid"/>
+                      <a:round/>
+                      <a:headEnd type="none" w="med" len="med"/>
+                      <a:tailEnd type="none" w="med" len="med"/>
+                    </a:lnB>
+                    <a:lnTlToBr>
+                      <a:noFill/>
+                    </a:lnTlToBr>
+                    <a:lnBlToTr>
+                      <a:noFill/>
+                    </a:lnBlToTr>
+                    <a:solidFill>
+                      <a:srgbClr val="FFFFFF"/>
+                    </a:solidFill>
+                  </a:tcPr>
+                </a:tc>
+                <a:tc>
+                  <a:txBody>
+                    <a:bodyPr/>
+                    <a:lstStyle/>
+                    <a:p>
+                      <a:pPr marL="0" marR="0" lvl="0" indent="0" algn="ctr" defTabSz="914400" rtl="0" eaLnBrk="0" fontAlgn="ctr" latinLnBrk="0" hangingPunct="0">
+                        <a:lnSpc>
+                          <a:spcPct val="100000"/>
+                        </a:lnSpc>
+                        <a:spcBef>
+                          <a:spcPct val="10000"/>
+                        </a:spcBef>
+                        <a:spcAft>
+                          <a:spcPct val="0"/>
+                        </a:spcAft>
+                        <a:buClr>
+                          <a:srgbClr val="CC3300"/>
+                        </a:buClr>
+                        <a:buSzPct val="70000"/>
+                        <a:buFont typeface="Wingdings" panose="05000000000000000000" pitchFamily="2" charset="2"/>
+                        <a:buNone/>
+                      </a:pPr>
+                      <a:r>
+                        <a:rPr kumimoji="0" lang="zh-CN" altLang="en-US" sz="1400" b="0" i="0" u="none" strike="noStrike" kern="1200" cap="none" normalizeH="0" baseline="0" dirty="0" smtClean="0">
+                          <a:ln>
+                            <a:noFill/>
+                          </a:ln>
+                          <a:solidFill>
+                            <a:schemeClr val="tx1"/>
+                          </a:solidFill>
+                          <a:effectLst/>
+                          <a:latin typeface="微软雅黑" panose="020B0503020204020204" pitchFamily="34" charset="-122"/>
+                          <a:ea typeface="微软雅黑" panose="020B0503020204020204" pitchFamily="34" charset="-122"/>
+                          <a:cs typeface="+mn-cs"/>
+                        </a:rPr>
+                        <a:t>后端技术</a:t>
+                      </a:r>
+                      <a:endParaRPr kumimoji="0" lang="zh-CN" altLang="en-US" sz="1400" b="0" i="0" u="none" strike="noStrike" kern="1200" cap="none" normalizeH="0" baseline="0" dirty="0">
+                        <a:ln>
+                          <a:noFill/>
+                        </a:ln>
+                        <a:solidFill>
+                          <a:schemeClr val="tx1"/>
+                        </a:solidFill>
+                        <a:effectLst/>
+                        <a:latin typeface="微软雅黑" panose="020B0503020204020204" pitchFamily="34" charset="-122"/>
+                        <a:ea typeface="微软雅黑" panose="020B0503020204020204" pitchFamily="34" charset="-122"/>
+                        <a:cs typeface="+mn-cs"/>
+                      </a:endParaRPr>
+                    </a:p>
+                  </a:txBody>
+                  <a:tcPr anchor="ctr" horzOverflow="overflow">
+                    <a:lnL w="12700" cap="flat" cmpd="sng" algn="ctr">
+                      <a:solidFill>
+                        <a:schemeClr val="tx1"/>
+                      </a:solidFill>
+                      <a:prstDash val="solid"/>
+                      <a:round/>
+                      <a:headEnd type="none" w="med" len="med"/>
+                      <a:tailEnd type="none" w="med" len="med"/>
+                    </a:lnL>
+                    <a:lnR w="12700" cap="flat" cmpd="sng" algn="ctr">
+                      <a:solidFill>
+                        <a:schemeClr val="tx1"/>
+                      </a:solidFill>
+                      <a:prstDash val="solid"/>
+                      <a:round/>
+                      <a:headEnd type="none" w="med" len="med"/>
+                      <a:tailEnd type="none" w="med" len="med"/>
+                    </a:lnR>
+                    <a:lnT w="12700" cap="flat" cmpd="sng" algn="ctr">
+                      <a:solidFill>
+                        <a:schemeClr val="tx1"/>
+                      </a:solidFill>
+                      <a:prstDash val="solid"/>
+                      <a:round/>
+                      <a:headEnd type="none" w="med" len="med"/>
+                      <a:tailEnd type="none" w="med" len="med"/>
+                    </a:lnT>
+                    <a:lnB w="12700" cap="flat" cmpd="sng" algn="ctr">
+                      <a:solidFill>
+                        <a:schemeClr val="tx1"/>
+                      </a:solidFill>
+                      <a:prstDash val="solid"/>
+                      <a:round/>
+                      <a:headEnd type="none" w="med" len="med"/>
+                      <a:tailEnd type="none" w="med" len="med"/>
+                    </a:lnB>
+                    <a:lnTlToBr>
+                      <a:noFill/>
+                    </a:lnTlToBr>
+                    <a:lnBlToTr>
+                      <a:noFill/>
+                    </a:lnBlToTr>
+                    <a:solidFill>
+                      <a:srgbClr val="FFFFFF"/>
+                    </a:solidFill>
+                  </a:tcPr>
+                </a:tc>
+                <a:tc>
+                  <a:txBody>
+                    <a:bodyPr/>
+                    <a:lstStyle/>
+                    <a:p>
+                      <a:pPr marL="0" marR="0" lvl="0" indent="0" algn="l" defTabSz="914400" rtl="0" eaLnBrk="0" fontAlgn="ctr" latinLnBrk="0" hangingPunct="0">
+                        <a:lnSpc>
+                          <a:spcPct val="100000"/>
+                        </a:lnSpc>
+                        <a:spcBef>
+                          <a:spcPct val="10000"/>
+                        </a:spcBef>
+                        <a:spcAft>
+                          <a:spcPct val="0"/>
+                        </a:spcAft>
+                        <a:buClr>
+                          <a:schemeClr val="tx1"/>
+                        </a:buClr>
+                        <a:buSzPct val="70000"/>
+                        <a:buFont typeface="Wingdings" panose="05000000000000000000" pitchFamily="2" charset="2"/>
+                        <a:buNone/>
+                        <a:defRPr/>
+                      </a:pPr>
+                      <a:r>
+                        <a:rPr kumimoji="0" lang="zh-CN" altLang="en-US" sz="1400" b="0" i="0" u="none" strike="noStrike" cap="none" normalizeH="0" baseline="0" dirty="0" smtClean="0">
+                          <a:ln>
+                            <a:noFill/>
+                          </a:ln>
+                          <a:solidFill>
+                            <a:schemeClr val="tx1"/>
+                          </a:solidFill>
+                          <a:effectLst/>
+                          <a:latin typeface="微软雅黑" panose="020B0503020204020204" pitchFamily="34" charset="-122"/>
+                          <a:ea typeface="微软雅黑" panose="020B0503020204020204" pitchFamily="34" charset="-122"/>
+                        </a:rPr>
+                        <a:t>开发了车间晨会看板，班组晨会看板、中天工单导入功能，后期负责运维。</a:t>
+                      </a:r>
+                      <a:endParaRPr kumimoji="0" lang="en-US" altLang="zh-CN" sz="1400" b="0" i="0" u="none" strike="noStrike" cap="none" normalizeH="0" baseline="0" dirty="0" smtClean="0">
+                        <a:ln>
+                          <a:noFill/>
+                        </a:ln>
+                        <a:solidFill>
+                          <a:schemeClr val="tx1"/>
+                        </a:solidFill>
+                        <a:effectLst/>
+                        <a:latin typeface="微软雅黑" panose="020B0503020204020204" pitchFamily="34" charset="-122"/>
+                        <a:ea typeface="微软雅黑" panose="020B0503020204020204" pitchFamily="34" charset="-122"/>
+                      </a:endParaRPr>
+                    </a:p>
+                    <a:p>
+                      <a:pPr marL="0" marR="0" lvl="0" indent="0" algn="l" defTabSz="914400" rtl="0" eaLnBrk="0" fontAlgn="ctr" latinLnBrk="0" hangingPunct="0">
+                        <a:lnSpc>
+                          <a:spcPct val="100000"/>
+                        </a:lnSpc>
+                        <a:spcBef>
+                          <a:spcPct val="10000"/>
+                        </a:spcBef>
+                        <a:spcAft>
+                          <a:spcPct val="0"/>
+                        </a:spcAft>
+                        <a:buClr>
+                          <a:schemeClr val="tx1"/>
+                        </a:buClr>
+                        <a:buSzPct val="70000"/>
+                        <a:buFont typeface="Wingdings" panose="05000000000000000000" pitchFamily="2" charset="2"/>
+                        <a:buNone/>
+                        <a:defRPr/>
+                      </a:pPr>
+                      <a:r>
+                        <a:rPr kumimoji="0" lang="zh-CN" altLang="en-US" sz="1400" b="0" i="0" u="none" strike="noStrike" cap="none" normalizeH="0" baseline="0" dirty="0" smtClean="0">
+                          <a:ln>
+                            <a:noFill/>
+                          </a:ln>
+                          <a:solidFill>
+                            <a:schemeClr val="tx1"/>
+                          </a:solidFill>
+                          <a:effectLst/>
+                          <a:latin typeface="微软雅黑" panose="020B0503020204020204" pitchFamily="34" charset="-122"/>
+                          <a:ea typeface="微软雅黑" panose="020B0503020204020204" pitchFamily="34" charset="-122"/>
+                        </a:rPr>
+                        <a:t>学习了使用</a:t>
+                      </a:r>
+                      <a:r>
+                        <a:rPr kumimoji="0" lang="en-US" altLang="zh-CN" sz="1400" b="0" i="0" u="none" strike="noStrike" cap="none" normalizeH="0" baseline="0" dirty="0" smtClean="0">
+                          <a:ln>
+                            <a:noFill/>
+                          </a:ln>
+                          <a:solidFill>
+                            <a:schemeClr val="tx1"/>
+                          </a:solidFill>
+                          <a:effectLst/>
+                          <a:latin typeface="微软雅黑" panose="020B0503020204020204" pitchFamily="34" charset="-122"/>
+                          <a:ea typeface="微软雅黑" panose="020B0503020204020204" pitchFamily="34" charset="-122"/>
+                        </a:rPr>
+                        <a:t>POI</a:t>
+                      </a:r>
+                      <a:r>
+                        <a:rPr kumimoji="0" lang="zh-CN" altLang="en-US" sz="1400" b="0" i="0" u="none" strike="noStrike" cap="none" normalizeH="0" baseline="0" dirty="0" smtClean="0">
+                          <a:ln>
+                            <a:noFill/>
+                          </a:ln>
+                          <a:solidFill>
+                            <a:schemeClr val="tx1"/>
+                          </a:solidFill>
+                          <a:effectLst/>
+                          <a:latin typeface="微软雅黑" panose="020B0503020204020204" pitchFamily="34" charset="-122"/>
+                          <a:ea typeface="微软雅黑" panose="020B0503020204020204" pitchFamily="34" charset="-122"/>
+                        </a:rPr>
+                        <a:t>组件开发自定义的</a:t>
+                      </a:r>
+                      <a:r>
+                        <a:rPr kumimoji="0" lang="en-US" altLang="zh-CN" sz="1400" b="0" i="0" u="none" strike="noStrike" cap="none" normalizeH="0" baseline="0" dirty="0" smtClean="0">
+                          <a:ln>
+                            <a:noFill/>
+                          </a:ln>
+                          <a:solidFill>
+                            <a:schemeClr val="tx1"/>
+                          </a:solidFill>
+                          <a:effectLst/>
+                          <a:latin typeface="微软雅黑" panose="020B0503020204020204" pitchFamily="34" charset="-122"/>
+                          <a:ea typeface="微软雅黑" panose="020B0503020204020204" pitchFamily="34" charset="-122"/>
+                        </a:rPr>
+                        <a:t>EXCEL</a:t>
+                      </a:r>
+                      <a:r>
+                        <a:rPr kumimoji="0" lang="zh-CN" altLang="en-US" sz="1400" b="0" i="0" u="none" strike="noStrike" cap="none" normalizeH="0" baseline="0" dirty="0" smtClean="0">
+                          <a:ln>
+                            <a:noFill/>
+                          </a:ln>
+                          <a:solidFill>
+                            <a:schemeClr val="tx1"/>
+                          </a:solidFill>
+                          <a:effectLst/>
+                          <a:latin typeface="微软雅黑" panose="020B0503020204020204" pitchFamily="34" charset="-122"/>
+                          <a:ea typeface="微软雅黑" panose="020B0503020204020204" pitchFamily="34" charset="-122"/>
+                        </a:rPr>
+                        <a:t>导入功能</a:t>
+                      </a:r>
+                      <a:endParaRPr kumimoji="0" lang="en-US" altLang="zh-CN" sz="1400" b="0" i="0" u="none" strike="noStrike" cap="none" normalizeH="0" baseline="0" dirty="0" smtClean="0">
+                        <a:ln>
+                          <a:noFill/>
+                        </a:ln>
+                        <a:solidFill>
+                          <a:schemeClr val="tx1"/>
+                        </a:solidFill>
+                        <a:effectLst/>
+                        <a:latin typeface="微软雅黑" panose="020B0503020204020204" pitchFamily="34" charset="-122"/>
+                        <a:ea typeface="微软雅黑" panose="020B0503020204020204" pitchFamily="34" charset="-122"/>
+                      </a:endParaRPr>
+                    </a:p>
+                    <a:p>
+                      <a:pPr marL="0" marR="0" lvl="0" indent="0" algn="l" defTabSz="914400" rtl="0" eaLnBrk="0" fontAlgn="ctr" latinLnBrk="0" hangingPunct="0">
+                        <a:lnSpc>
+                          <a:spcPct val="100000"/>
+                        </a:lnSpc>
+                        <a:spcBef>
+                          <a:spcPct val="10000"/>
+                        </a:spcBef>
+                        <a:spcAft>
+                          <a:spcPct val="0"/>
+                        </a:spcAft>
+                        <a:buClr>
+                          <a:schemeClr val="tx1"/>
+                        </a:buClr>
+                        <a:buSzPct val="70000"/>
+                        <a:buFont typeface="Wingdings" panose="05000000000000000000" pitchFamily="2" charset="2"/>
+                        <a:buNone/>
+                        <a:tabLst/>
+                        <a:defRPr/>
+                      </a:pPr>
+                      <a:r>
+                        <a:rPr kumimoji="0" lang="zh-CN" altLang="en-US" sz="1400" b="0" i="0" u="none" strike="noStrike" cap="none" normalizeH="0" baseline="0" dirty="0" smtClean="0">
+                          <a:ln>
+                            <a:noFill/>
+                          </a:ln>
+                          <a:solidFill>
+                            <a:schemeClr val="tx1"/>
+                          </a:solidFill>
+                          <a:effectLst/>
+                          <a:latin typeface="微软雅黑" panose="020B0503020204020204" pitchFamily="34" charset="-122"/>
+                          <a:ea typeface="微软雅黑" panose="020B0503020204020204" pitchFamily="34" charset="-122"/>
+                        </a:rPr>
+                        <a:t>对</a:t>
+                      </a:r>
+                      <a:r>
+                        <a:rPr kumimoji="0" lang="en-US" altLang="zh-CN" sz="1400" b="0" i="0" u="none" strike="noStrike" cap="none" normalizeH="0" baseline="0" dirty="0" smtClean="0">
+                          <a:ln>
+                            <a:noFill/>
+                          </a:ln>
+                          <a:solidFill>
+                            <a:schemeClr val="tx1"/>
+                          </a:solidFill>
+                          <a:effectLst/>
+                          <a:latin typeface="微软雅黑" panose="020B0503020204020204" pitchFamily="34" charset="-122"/>
+                          <a:ea typeface="微软雅黑" panose="020B0503020204020204" pitchFamily="34" charset="-122"/>
+                        </a:rPr>
+                        <a:t>SAAS</a:t>
+                      </a:r>
+                      <a:r>
+                        <a:rPr kumimoji="0" lang="zh-CN" altLang="en-US" sz="1400" b="0" i="0" u="none" strike="noStrike" cap="none" normalizeH="0" baseline="0" dirty="0" smtClean="0">
+                          <a:ln>
+                            <a:noFill/>
+                          </a:ln>
+                          <a:solidFill>
+                            <a:schemeClr val="tx1"/>
+                          </a:solidFill>
+                          <a:effectLst/>
+                          <a:latin typeface="微软雅黑" panose="020B0503020204020204" pitchFamily="34" charset="-122"/>
+                          <a:ea typeface="微软雅黑" panose="020B0503020204020204" pitchFamily="34" charset="-122"/>
+                        </a:rPr>
+                        <a:t>项目部署、开发流程有一定的了解和执行能力，提高了定制化功能的设计和实现能力</a:t>
+                      </a:r>
+                      <a:endParaRPr kumimoji="0" lang="en-US" altLang="zh-CN" sz="1400" b="0" i="0" u="none" strike="noStrike" cap="none" normalizeH="0" baseline="0" dirty="0" smtClean="0">
+                        <a:ln>
+                          <a:noFill/>
+                        </a:ln>
+                        <a:solidFill>
+                          <a:schemeClr val="tx1"/>
+                        </a:solidFill>
+                        <a:effectLst/>
+                        <a:latin typeface="微软雅黑" panose="020B0503020204020204" pitchFamily="34" charset="-122"/>
+                        <a:ea typeface="微软雅黑" panose="020B0503020204020204" pitchFamily="34" charset="-122"/>
+                      </a:endParaRPr>
+                    </a:p>
+                  </a:txBody>
+                  <a:tcPr anchor="ctr" horzOverflow="overflow">
+                    <a:lnL w="12700" cap="flat" cmpd="sng" algn="ctr">
+                      <a:solidFill>
+                        <a:schemeClr val="tx1"/>
+                      </a:solidFill>
+                      <a:prstDash val="solid"/>
+                      <a:round/>
+                      <a:headEnd type="none" w="med" len="med"/>
+                      <a:tailEnd type="none" w="med" len="med"/>
+                    </a:lnL>
+                    <a:lnR w="12700" cap="flat" cmpd="sng" algn="ctr">
+                      <a:solidFill>
+                        <a:schemeClr val="tx1"/>
+                      </a:solidFill>
+                      <a:prstDash val="solid"/>
+                      <a:round/>
+                      <a:headEnd type="none" w="med" len="med"/>
+                      <a:tailEnd type="none" w="med" len="med"/>
+                    </a:lnR>
+                    <a:lnT w="12700" cap="flat" cmpd="sng" algn="ctr">
+                      <a:solidFill>
+                        <a:schemeClr val="tx1"/>
+                      </a:solidFill>
+                      <a:prstDash val="solid"/>
+                      <a:round/>
+                      <a:headEnd type="none" w="med" len="med"/>
+                      <a:tailEnd type="none" w="med" len="med"/>
+                    </a:lnT>
+                    <a:lnB w="12700" cap="flat" cmpd="sng" algn="ctr">
+                      <a:solidFill>
+                        <a:schemeClr val="tx1"/>
+                      </a:solidFill>
+                      <a:prstDash val="solid"/>
+                      <a:round/>
+                      <a:headEnd type="none" w="med" len="med"/>
+                      <a:tailEnd type="none" w="med" len="med"/>
+                    </a:lnB>
+                    <a:lnTlToBr>
+                      <a:noFill/>
+                    </a:lnTlToBr>
+                    <a:lnBlToTr>
+                      <a:noFill/>
+                    </a:lnBlToTr>
+                    <a:solidFill>
+                      <a:srgbClr val="FFFFFF"/>
+                    </a:solidFill>
+                  </a:tcPr>
+                </a:tc>
+                <a:extLst>
+                  <a:ext uri="{0D108BD9-81ED-4DB2-BD59-A6C34878D82A}">
+                    <a16:rowId xmlns:a16="http://schemas.microsoft.com/office/drawing/2014/main" val="10002"/>
+                  </a:ext>
+                </a:extLst>
+              </a:tr>
+            </a:tbl>
+          </a:graphicData>
+        </a:graphic>
+      </p:graphicFrame>
     </p:spTree>
+    <p:extLst>
+      <p:ext uri="{BB962C8B-B14F-4D97-AF65-F5344CB8AC3E}">
+        <p14:creationId xmlns:p14="http://schemas.microsoft.com/office/powerpoint/2010/main" val="1221757560"/>
+      </p:ext>
+    </p:extLst>
   </p:cSld>
   <p:clrMapOvr>
     <a:masterClrMapping/>
@@ -11479,19 +13007,19 @@
         <p:spPr>
           <a:xfrm>
             <a:off x="395238" y="1611104"/>
-            <a:ext cx="8086725" cy="4724400"/>
+            <a:ext cx="7200900" cy="4543425"/>
           </a:xfrm>
           <a:prstGeom prst="rect">
             <a:avLst/>
           </a:prstGeom>
+          <a:ln>
+            <a:solidFill>
+              <a:schemeClr val="tx1"/>
+            </a:solidFill>
+          </a:ln>
         </p:spPr>
       </p:pic>
     </p:spTree>
-    <p:extLst>
-      <p:ext uri="{BB962C8B-B14F-4D97-AF65-F5344CB8AC3E}">
-        <p14:creationId xmlns:p14="http://schemas.microsoft.com/office/powerpoint/2010/main" val="560252490"/>
-      </p:ext>
-    </p:extLst>
   </p:cSld>
   <p:clrMapOvr>
     <a:masterClrMapping/>
@@ -11624,23 +13152,18 @@
         </p:blipFill>
         <p:spPr>
           <a:xfrm>
-            <a:off x="330762" y="1605514"/>
-            <a:ext cx="8039100" cy="4514850"/>
+            <a:off x="395238" y="1611104"/>
+            <a:ext cx="8086725" cy="4724400"/>
           </a:xfrm>
           <a:prstGeom prst="rect">
             <a:avLst/>
           </a:prstGeom>
-          <a:ln>
-            <a:solidFill>
-              <a:schemeClr val="tx1"/>
-            </a:solidFill>
-          </a:ln>
         </p:spPr>
       </p:pic>
     </p:spTree>
     <p:extLst>
       <p:ext uri="{BB962C8B-B14F-4D97-AF65-F5344CB8AC3E}">
-        <p14:creationId xmlns:p14="http://schemas.microsoft.com/office/powerpoint/2010/main" val="2515905495"/>
+        <p14:creationId xmlns:p14="http://schemas.microsoft.com/office/powerpoint/2010/main" val="560252490"/>
       </p:ext>
     </p:extLst>
   </p:cSld>
@@ -11775,8 +13298,8 @@
         </p:blipFill>
         <p:spPr>
           <a:xfrm>
-            <a:off x="330762" y="1469302"/>
-            <a:ext cx="7848600" cy="5172075"/>
+            <a:off x="330762" y="1605514"/>
+            <a:ext cx="8039100" cy="4514850"/>
           </a:xfrm>
           <a:prstGeom prst="rect">
             <a:avLst/>
@@ -11791,7 +13314,7 @@
     </p:spTree>
     <p:extLst>
       <p:ext uri="{BB962C8B-B14F-4D97-AF65-F5344CB8AC3E}">
-        <p14:creationId xmlns:p14="http://schemas.microsoft.com/office/powerpoint/2010/main" val="1122619878"/>
+        <p14:creationId xmlns:p14="http://schemas.microsoft.com/office/powerpoint/2010/main" val="2515905495"/>
       </p:ext>
     </p:extLst>
   </p:cSld>
@@ -11926,8 +13449,8 @@
         </p:blipFill>
         <p:spPr>
           <a:xfrm>
-            <a:off x="330762" y="1611104"/>
-            <a:ext cx="7439025" cy="4600575"/>
+            <a:off x="330762" y="1469302"/>
+            <a:ext cx="7848600" cy="5172075"/>
           </a:xfrm>
           <a:prstGeom prst="rect">
             <a:avLst/>
@@ -11942,7 +13465,7 @@
     </p:spTree>
     <p:extLst>
       <p:ext uri="{BB962C8B-B14F-4D97-AF65-F5344CB8AC3E}">
-        <p14:creationId xmlns:p14="http://schemas.microsoft.com/office/powerpoint/2010/main" val="388726973"/>
+        <p14:creationId xmlns:p14="http://schemas.microsoft.com/office/powerpoint/2010/main" val="1122619878"/>
       </p:ext>
     </p:extLst>
   </p:cSld>
@@ -11978,6 +13501,12 @@
 </file>
 
 <file path=ppt/tags/tag4.xml><?xml version="1.0" encoding="utf-8"?>
+<p:tagLst xmlns:a="http://schemas.openxmlformats.org/drawingml/2006/main" xmlns:r="http://schemas.openxmlformats.org/officeDocument/2006/relationships" xmlns:p="http://schemas.openxmlformats.org/presentationml/2006/main">
+  <p:tag name="KSO_WM_UNIT_TABLE_BEAUTIFY" val="smartTable{93d7e54e-c97b-4a55-8459-6fb6cf26a20a}"/>
+</p:tagLst>
+</file>
+
+<file path=ppt/tags/tag5.xml><?xml version="1.0" encoding="utf-8"?>
 <p:tagLst xmlns:a="http://schemas.openxmlformats.org/drawingml/2006/main" xmlns:r="http://schemas.openxmlformats.org/officeDocument/2006/relationships" xmlns:p="http://schemas.openxmlformats.org/presentationml/2006/main">
   <p:tag name="KSO_WM_UNIT_TABLE_BEAUTIFY" val="smartTable{93d7e54e-c97b-4a55-8459-6fb6cf26a20a}"/>
 </p:tagLst>
